--- a/PowerPoint/Groundwater Dynamics AWD.pptx
+++ b/PowerPoint/Groundwater Dynamics AWD.pptx
@@ -5,32 +5,23 @@
     <p:sldMasterId id="2147483648" r:id="rId1"/>
   </p:sldMasterIdLst>
   <p:notesMasterIdLst>
-    <p:notesMasterId r:id="rId25"/>
+    <p:notesMasterId r:id="rId16"/>
   </p:notesMasterIdLst>
   <p:sldIdLst>
     <p:sldId id="256" r:id="rId2"/>
     <p:sldId id="257" r:id="rId3"/>
     <p:sldId id="259" r:id="rId4"/>
-    <p:sldId id="260" r:id="rId5"/>
-    <p:sldId id="261" r:id="rId6"/>
-    <p:sldId id="262" r:id="rId7"/>
+    <p:sldId id="268" r:id="rId5"/>
+    <p:sldId id="269" r:id="rId6"/>
+    <p:sldId id="266" r:id="rId7"/>
     <p:sldId id="264" r:id="rId8"/>
-    <p:sldId id="263" r:id="rId9"/>
-    <p:sldId id="266" r:id="rId10"/>
-    <p:sldId id="267" r:id="rId11"/>
-    <p:sldId id="268" r:id="rId12"/>
-    <p:sldId id="269" r:id="rId13"/>
-    <p:sldId id="270" r:id="rId14"/>
-    <p:sldId id="271" r:id="rId15"/>
-    <p:sldId id="272" r:id="rId16"/>
-    <p:sldId id="273" r:id="rId17"/>
-    <p:sldId id="274" r:id="rId18"/>
-    <p:sldId id="275" r:id="rId19"/>
-    <p:sldId id="276" r:id="rId20"/>
-    <p:sldId id="277" r:id="rId21"/>
-    <p:sldId id="278" r:id="rId22"/>
-    <p:sldId id="279" r:id="rId23"/>
-    <p:sldId id="280" r:id="rId24"/>
+    <p:sldId id="267" r:id="rId9"/>
+    <p:sldId id="270" r:id="rId10"/>
+    <p:sldId id="279" r:id="rId11"/>
+    <p:sldId id="271" r:id="rId12"/>
+    <p:sldId id="273" r:id="rId13"/>
+    <p:sldId id="275" r:id="rId14"/>
+    <p:sldId id="277" r:id="rId15"/>
   </p:sldIdLst>
   <p:sldSz cx="9144000" cy="6858000" type="screen4x3"/>
   <p:notesSz cx="6858000" cy="9144000"/>
@@ -214,7 +205,7 @@
           <a:p>
             <a:fld id="{E162B1DB-8FA4-4D41-A441-29571E7A61F4}" type="datetimeFigureOut">
               <a:rPr lang="en-US" smtClean="0"/>
-              <a:t>17/12/13</a:t>
+              <a:t>09/01/19</a:t>
             </a:fld>
             <a:endParaRPr lang="en-US"/>
           </a:p>
@@ -665,7 +656,7 @@
           <a:p>
             <a:fld id="{F36408C3-6AF3-41F0-A0B0-14466383EF7E}" type="datetime1">
               <a:rPr lang="en-US" smtClean="0"/>
-              <a:t>17/12/13</a:t>
+              <a:t>09/01/19</a:t>
             </a:fld>
             <a:endParaRPr lang="en-US"/>
           </a:p>
@@ -834,7 +825,7 @@
           <a:p>
             <a:fld id="{F89F54A1-F0BD-4ED8-B204-2E7B803973E6}" type="datetime1">
               <a:rPr lang="en-US" smtClean="0"/>
-              <a:t>17/12/13</a:t>
+              <a:t>09/01/19</a:t>
             </a:fld>
             <a:endParaRPr lang="en-US"/>
           </a:p>
@@ -1013,7 +1004,7 @@
           <a:p>
             <a:fld id="{44E7740B-54ED-4A3F-8F86-09A8D4F9BA6D}" type="datetime1">
               <a:rPr lang="en-US" smtClean="0"/>
-              <a:t>17/12/13</a:t>
+              <a:t>09/01/19</a:t>
             </a:fld>
             <a:endParaRPr lang="en-US"/>
           </a:p>
@@ -1182,7 +1173,7 @@
           <a:p>
             <a:fld id="{F28D3015-3CD5-45FF-B894-D0CA56EC06B3}" type="datetime1">
               <a:rPr lang="en-US" smtClean="0"/>
-              <a:t>17/12/13</a:t>
+              <a:t>09/01/19</a:t>
             </a:fld>
             <a:endParaRPr lang="en-US"/>
           </a:p>
@@ -1427,7 +1418,7 @@
           <a:p>
             <a:fld id="{3273549C-525B-460A-8C59-A970A2227C5F}" type="datetime1">
               <a:rPr lang="en-US" smtClean="0"/>
-              <a:t>17/12/13</a:t>
+              <a:t>09/01/19</a:t>
             </a:fld>
             <a:endParaRPr lang="en-US"/>
           </a:p>
@@ -1714,7 +1705,7 @@
           <a:p>
             <a:fld id="{CD78A625-AFB7-448A-928B-8D2102D089BE}" type="datetime1">
               <a:rPr lang="en-US" smtClean="0"/>
-              <a:t>17/12/13</a:t>
+              <a:t>09/01/19</a:t>
             </a:fld>
             <a:endParaRPr lang="en-US"/>
           </a:p>
@@ -2135,7 +2126,7 @@
           <a:p>
             <a:fld id="{8A61D9D4-B036-4611-8FB3-1BACA484CF4A}" type="datetime1">
               <a:rPr lang="en-US" smtClean="0"/>
-              <a:t>17/12/13</a:t>
+              <a:t>09/01/19</a:t>
             </a:fld>
             <a:endParaRPr lang="en-US"/>
           </a:p>
@@ -2252,7 +2243,7 @@
           <a:p>
             <a:fld id="{8F4D0985-4FA5-4D41-B78B-FFB53C23104B}" type="datetime1">
               <a:rPr lang="en-US" smtClean="0"/>
-              <a:t>17/12/13</a:t>
+              <a:t>09/01/19</a:t>
             </a:fld>
             <a:endParaRPr lang="en-US"/>
           </a:p>
@@ -2346,7 +2337,7 @@
           <a:p>
             <a:fld id="{A4AA6860-14D6-470B-8B50-44814B66E8B8}" type="datetime1">
               <a:rPr lang="en-US" smtClean="0"/>
-              <a:t>17/12/13</a:t>
+              <a:t>09/01/19</a:t>
             </a:fld>
             <a:endParaRPr lang="en-US"/>
           </a:p>
@@ -2622,7 +2613,7 @@
           <a:p>
             <a:fld id="{974EA632-7A05-48FA-BE93-D2321BD045E8}" type="datetime1">
               <a:rPr lang="en-US" smtClean="0"/>
-              <a:t>17/12/13</a:t>
+              <a:t>09/01/19</a:t>
             </a:fld>
             <a:endParaRPr lang="en-US"/>
           </a:p>
@@ -2874,7 +2865,7 @@
           <a:p>
             <a:fld id="{726004DA-837B-4812-BC31-A2FC0CD63DF5}" type="datetime1">
               <a:rPr lang="en-US" smtClean="0"/>
-              <a:t>17/12/13</a:t>
+              <a:t>09/01/19</a:t>
             </a:fld>
             <a:endParaRPr lang="en-US"/>
           </a:p>
@@ -3086,7 +3077,7 @@
           <a:p>
             <a:fld id="{B017CDDC-992F-4453-85BE-28B4219649C7}" type="datetime1">
               <a:rPr lang="en-US" smtClean="0"/>
-              <a:t>17/12/13</a:t>
+              <a:t>09/01/19</a:t>
             </a:fld>
             <a:endParaRPr lang="en-US"/>
           </a:p>
@@ -3524,7 +3515,7 @@
           <a:p>
             <a:fld id="{1DA01A7D-495B-41A9-A8FF-0A3909B16A32}" type="datetime1">
               <a:rPr lang="en-US" smtClean="0"/>
-              <a:t>17/12/13</a:t>
+              <a:t>09/01/19</a:t>
             </a:fld>
             <a:endParaRPr lang="en-US"/>
           </a:p>
@@ -3620,152 +3611,119 @@
         </p:nvSpPr>
         <p:spPr/>
         <p:txBody>
-          <a:bodyPr>
-            <a:normAutofit fontScale="90000"/>
-          </a:bodyPr>
-          <a:lstStyle/>
-          <a:p>
-            <a:r>
-              <a:rPr lang="en-US" dirty="0" err="1" smtClean="0"/>
-              <a:t>Haasveld</a:t>
-            </a:r>
-            <a:r>
-              <a:rPr lang="en-US" dirty="0" smtClean="0"/>
-              <a:t> central AWD</a:t>
-            </a:r>
-            <a:r>
-              <a:rPr lang="en-US" dirty="0"/>
-              <a:t/>
-            </a:r>
-            <a:br>
-              <a:rPr lang="en-US" dirty="0"/>
-            </a:br>
-            <a:r>
-              <a:rPr lang="en-US" dirty="0" smtClean="0"/>
-              <a:t>(deep water table large system)</a:t>
-            </a:r>
-            <a:br>
-              <a:rPr lang="en-US" dirty="0" smtClean="0"/>
-            </a:br>
-            <a:r>
-              <a:rPr lang="en-US" dirty="0" smtClean="0"/>
-              <a:t>water table and deep head</a:t>
-            </a:r>
-            <a:endParaRPr lang="en-US" dirty="0"/>
+          <a:bodyPr/>
+          <a:lstStyle/>
+          <a:p>
+            <a:r>
+              <a:rPr lang="en-US"/>
+              <a:t>Tide in groundwater</a:t>
+            </a:r>
+          </a:p>
+        </p:txBody>
+      </p:sp>
+      <p:sp>
+        <p:nvSpPr>
+          <p:cNvPr id="3" name="Date Placeholder 2"/>
+          <p:cNvSpPr>
+            <a:spLocks noGrp="1"/>
+          </p:cNvSpPr>
+          <p:nvPr>
+            <p:ph type="dt" sz="half" idx="10"/>
+          </p:nvPr>
+        </p:nvSpPr>
+        <p:spPr/>
+        <p:txBody>
+          <a:bodyPr/>
+          <a:lstStyle/>
+          <a:p>
+            <a:fld id="{8F4D0985-4FA5-4D41-B78B-FFB53C23104B}" type="datetime1">
+              <a:rPr lang="en-US" smtClean="0"/>
+              <a:t>10/01/19</a:t>
+            </a:fld>
+            <a:endParaRPr lang="en-US"/>
+          </a:p>
+        </p:txBody>
+      </p:sp>
+      <p:sp>
+        <p:nvSpPr>
+          <p:cNvPr id="4" name="Footer Placeholder 3"/>
+          <p:cNvSpPr>
+            <a:spLocks noGrp="1"/>
+          </p:cNvSpPr>
+          <p:nvPr>
+            <p:ph type="ftr" sz="quarter" idx="11"/>
+          </p:nvPr>
+        </p:nvSpPr>
+        <p:spPr/>
+        <p:txBody>
+          <a:bodyPr/>
+          <a:lstStyle/>
+          <a:p>
+            <a:r>
+              <a:rPr lang="en-US" smtClean="0"/>
+              <a:t>Groundwaer dynamics CT4420</a:t>
+            </a:r>
+            <a:endParaRPr lang="en-US"/>
+          </a:p>
+        </p:txBody>
+      </p:sp>
+      <p:sp>
+        <p:nvSpPr>
+          <p:cNvPr id="5" name="Slide Number Placeholder 4"/>
+          <p:cNvSpPr>
+            <a:spLocks noGrp="1"/>
+          </p:cNvSpPr>
+          <p:nvPr>
+            <p:ph type="sldNum" sz="quarter" idx="12"/>
+          </p:nvPr>
+        </p:nvSpPr>
+        <p:spPr/>
+        <p:txBody>
+          <a:bodyPr/>
+          <a:lstStyle/>
+          <a:p>
+            <a:fld id="{3A68414B-717D-4E1C-9A7E-C5878B7A8979}" type="slidenum">
+              <a:rPr lang="en-US" smtClean="0"/>
+              <a:t>10</a:t>
+            </a:fld>
+            <a:endParaRPr lang="en-US"/>
           </a:p>
         </p:txBody>
       </p:sp>
       <p:pic>
         <p:nvPicPr>
-          <p:cNvPr id="4" name="Picture 3"/>
-          <p:cNvPicPr/>
+          <p:cNvPr id="6" name="Picture 5"/>
+          <p:cNvPicPr>
+            <a:picLocks noChangeAspect="1"/>
+          </p:cNvPicPr>
           <p:nvPr/>
         </p:nvPicPr>
         <p:blipFill>
           <a:blip r:embed="rId2"/>
-          <a:srcRect/>
           <a:stretch>
             <a:fillRect/>
           </a:stretch>
         </p:blipFill>
-        <p:spPr bwMode="auto">
+        <p:spPr>
           <a:xfrm>
-            <a:off x="0" y="1663218"/>
-            <a:ext cx="9144000" cy="5194782"/>
+            <a:off x="0" y="1270000"/>
+            <a:ext cx="9144000" cy="4311420"/>
           </a:xfrm>
           <a:prstGeom prst="rect">
             <a:avLst/>
           </a:prstGeom>
-          <a:noFill/>
-          <a:ln w="9525">
-            <a:noFill/>
-            <a:miter lim="800000"/>
-            <a:headEnd/>
-            <a:tailEnd/>
-          </a:ln>
         </p:spPr>
       </p:pic>
-      <p:sp>
-        <p:nvSpPr>
-          <p:cNvPr id="7" name="Date Placeholder 6"/>
-          <p:cNvSpPr>
-            <a:spLocks noGrp="1"/>
-          </p:cNvSpPr>
-          <p:nvPr>
-            <p:ph type="dt" sz="half" idx="10"/>
-          </p:nvPr>
-        </p:nvSpPr>
-        <p:spPr/>
-        <p:txBody>
-          <a:bodyPr/>
-          <a:lstStyle/>
-          <a:p>
-            <a:fld id="{CBD17BE3-7837-4B84-B483-214F3F712868}" type="datetime1">
-              <a:rPr lang="en-US" smtClean="0"/>
-              <a:t>17/12/13</a:t>
-            </a:fld>
-            <a:endParaRPr lang="en-US"/>
-          </a:p>
-        </p:txBody>
-      </p:sp>
-      <p:sp>
-        <p:nvSpPr>
-          <p:cNvPr id="8" name="Slide Number Placeholder 7"/>
-          <p:cNvSpPr>
-            <a:spLocks noGrp="1"/>
-          </p:cNvSpPr>
-          <p:nvPr>
-            <p:ph type="sldNum" sz="quarter" idx="12"/>
-          </p:nvPr>
-        </p:nvSpPr>
-        <p:spPr/>
-        <p:txBody>
-          <a:bodyPr/>
-          <a:lstStyle/>
-          <a:p>
-            <a:fld id="{3A68414B-717D-4E1C-9A7E-C5878B7A8979}" type="slidenum">
-              <a:rPr lang="en-US" smtClean="0"/>
-              <a:t>10</a:t>
-            </a:fld>
-            <a:endParaRPr lang="en-US"/>
-          </a:p>
-        </p:txBody>
-      </p:sp>
-      <p:sp>
-        <p:nvSpPr>
-          <p:cNvPr id="9" name="Footer Placeholder 8"/>
-          <p:cNvSpPr>
-            <a:spLocks noGrp="1"/>
-          </p:cNvSpPr>
-          <p:nvPr>
-            <p:ph type="ftr" sz="quarter" idx="11"/>
-          </p:nvPr>
-        </p:nvSpPr>
-        <p:spPr/>
-        <p:txBody>
-          <a:bodyPr/>
-          <a:lstStyle/>
-          <a:p>
-            <a:r>
-              <a:rPr lang="en-US" smtClean="0"/>
-              <a:t>Groundwaer dynamics CT4420</a:t>
-            </a:r>
-            <a:endParaRPr lang="en-US"/>
-          </a:p>
-        </p:txBody>
-      </p:sp>
     </p:spTree>
+    <p:extLst>
+      <p:ext uri="{BB962C8B-B14F-4D97-AF65-F5344CB8AC3E}">
+        <p14:creationId xmlns:p14="http://schemas.microsoft.com/office/powerpoint/2010/main" val="1695654324"/>
+      </p:ext>
+    </p:extLst>
   </p:cSld>
   <p:clrMapOvr>
     <a:masterClrMapping/>
   </p:clrMapOvr>
-  <p:timing>
-    <p:tnLst>
-      <p:par>
-        <p:cTn xmlns:p14="http://schemas.microsoft.com/office/powerpoint/2010/main" id="1" dur="indefinite" restart="never" nodeType="tmRoot"/>
-      </p:par>
-    </p:tnLst>
-  </p:timing>
 </p:sld>
 </file>
 
@@ -3799,40 +3757,28 @@
         <p:spPr/>
         <p:txBody>
           <a:bodyPr>
-            <a:normAutofit fontScale="90000"/>
+            <a:normAutofit/>
           </a:bodyPr>
           <a:lstStyle/>
           <a:p>
             <a:r>
-              <a:rPr lang="en-US" dirty="0" smtClean="0"/>
-              <a:t>200 m south of </a:t>
-            </a:r>
-            <a:r>
-              <a:rPr lang="en-US" dirty="0" err="1" smtClean="0"/>
-              <a:t>Kromme</a:t>
-            </a:r>
-            <a:r>
-              <a:rPr lang="en-US" dirty="0" smtClean="0"/>
-              <a:t> Schuster AWD</a:t>
-            </a:r>
-            <a:r>
-              <a:rPr lang="en-US" dirty="0"/>
-              <a:t/>
+              <a:rPr lang="en-US" sz="2000" dirty="0" smtClean="0"/>
+              <a:t>Tide in semi-confined aquifer</a:t>
             </a:r>
             <a:br>
-              <a:rPr lang="en-US" dirty="0"/>
+              <a:rPr lang="en-US" sz="2000" dirty="0" smtClean="0"/>
             </a:br>
             <a:r>
-              <a:rPr lang="en-US" dirty="0" smtClean="0"/>
-              <a:t>(confined head and barometer)</a:t>
-            </a:r>
-            <a:endParaRPr lang="en-US" dirty="0"/>
+              <a:rPr lang="en-US" sz="2000" dirty="0" smtClean="0"/>
+              <a:t>versus distance from sea</a:t>
+            </a:r>
+            <a:endParaRPr lang="en-US" sz="2000" dirty="0"/>
           </a:p>
         </p:txBody>
       </p:sp>
       <p:pic>
         <p:nvPicPr>
-          <p:cNvPr id="5" name="Picture 4"/>
+          <p:cNvPr id="3" name="Picture 2"/>
           <p:cNvPicPr/>
           <p:nvPr/>
         </p:nvPicPr>
@@ -3845,8 +3791,8 @@
         </p:blipFill>
         <p:spPr bwMode="auto">
           <a:xfrm>
-            <a:off x="0" y="1981200"/>
-            <a:ext cx="9144000" cy="4648199"/>
+            <a:off x="838200" y="1371600"/>
+            <a:ext cx="7315200" cy="5334000"/>
           </a:xfrm>
           <a:prstGeom prst="rect">
             <a:avLst/>
@@ -3862,7 +3808,7 @@
       </p:pic>
       <p:sp>
         <p:nvSpPr>
-          <p:cNvPr id="6" name="Date Placeholder 5"/>
+          <p:cNvPr id="4" name="Date Placeholder 3"/>
           <p:cNvSpPr>
             <a:spLocks noGrp="1"/>
           </p:cNvSpPr>
@@ -3875,9 +3821,9 @@
           <a:bodyPr/>
           <a:lstStyle/>
           <a:p>
-            <a:fld id="{3BAB7D11-70E1-4362-954F-4CF883CB5AEE}" type="datetime1">
-              <a:rPr lang="en-US" smtClean="0"/>
-              <a:t>17/12/13</a:t>
+            <a:fld id="{3A63B56E-3A1B-4ED2-8BA7-FD84D95B13FC}" type="datetime1">
+              <a:rPr lang="en-US" smtClean="0"/>
+              <a:t>09/01/19</a:t>
             </a:fld>
             <a:endParaRPr lang="en-US"/>
           </a:p>
@@ -3885,7 +3831,7 @@
       </p:sp>
       <p:sp>
         <p:nvSpPr>
-          <p:cNvPr id="7" name="Slide Number Placeholder 6"/>
+          <p:cNvPr id="5" name="Slide Number Placeholder 4"/>
           <p:cNvSpPr>
             <a:spLocks noGrp="1"/>
           </p:cNvSpPr>
@@ -3908,7 +3854,7 @@
       </p:sp>
       <p:sp>
         <p:nvSpPr>
-          <p:cNvPr id="8" name="Footer Placeholder 7"/>
+          <p:cNvPr id="6" name="Footer Placeholder 5"/>
           <p:cNvSpPr>
             <a:spLocks noGrp="1"/>
           </p:cNvSpPr>
@@ -3974,166 +3920,111 @@
         <p:spPr/>
         <p:txBody>
           <a:bodyPr>
-            <a:normAutofit fontScale="90000"/>
+            <a:normAutofit/>
           </a:bodyPr>
           <a:lstStyle/>
           <a:p>
             <a:r>
-              <a:rPr lang="en-US" dirty="0" smtClean="0"/>
-              <a:t>200 m south of </a:t>
-            </a:r>
-            <a:r>
-              <a:rPr lang="en-US" dirty="0" err="1" smtClean="0"/>
-              <a:t>Kromme</a:t>
-            </a:r>
-            <a:r>
-              <a:rPr lang="en-US" dirty="0" smtClean="0"/>
-              <a:t> Schuster AWD</a:t>
-            </a:r>
-            <a:r>
-              <a:rPr lang="en-US" dirty="0"/>
-              <a:t/>
-            </a:r>
-            <a:br>
-              <a:rPr lang="en-US" dirty="0"/>
-            </a:br>
-            <a:r>
-              <a:rPr lang="en-US" dirty="0" smtClean="0"/>
-              <a:t>(confined head and barometer)</a:t>
-            </a:r>
-            <a:endParaRPr lang="en-US" dirty="0"/>
+              <a:rPr lang="en-US" sz="2000" dirty="0" smtClean="0"/>
+              <a:t>Phreatic and confined aquifer tide close to the beach</a:t>
+            </a:r>
+            <a:endParaRPr lang="en-US" sz="2000" dirty="0"/>
+          </a:p>
+        </p:txBody>
+      </p:sp>
+      <p:sp>
+        <p:nvSpPr>
+          <p:cNvPr id="5" name="Date Placeholder 4"/>
+          <p:cNvSpPr>
+            <a:spLocks noGrp="1"/>
+          </p:cNvSpPr>
+          <p:nvPr>
+            <p:ph type="dt" sz="half" idx="10"/>
+          </p:nvPr>
+        </p:nvSpPr>
+        <p:spPr/>
+        <p:txBody>
+          <a:bodyPr/>
+          <a:lstStyle/>
+          <a:p>
+            <a:fld id="{1C2ED164-DF5D-46AE-B933-F61C32D53C21}" type="datetime1">
+              <a:rPr lang="en-US" smtClean="0"/>
+              <a:t>10/01/19</a:t>
+            </a:fld>
+            <a:endParaRPr lang="en-US"/>
+          </a:p>
+        </p:txBody>
+      </p:sp>
+      <p:sp>
+        <p:nvSpPr>
+          <p:cNvPr id="6" name="Slide Number Placeholder 5"/>
+          <p:cNvSpPr>
+            <a:spLocks noGrp="1"/>
+          </p:cNvSpPr>
+          <p:nvPr>
+            <p:ph type="sldNum" sz="quarter" idx="12"/>
+          </p:nvPr>
+        </p:nvSpPr>
+        <p:spPr/>
+        <p:txBody>
+          <a:bodyPr/>
+          <a:lstStyle/>
+          <a:p>
+            <a:fld id="{3A68414B-717D-4E1C-9A7E-C5878B7A8979}" type="slidenum">
+              <a:rPr lang="en-US" smtClean="0"/>
+              <a:t>12</a:t>
+            </a:fld>
+            <a:endParaRPr lang="en-US"/>
+          </a:p>
+        </p:txBody>
+      </p:sp>
+      <p:sp>
+        <p:nvSpPr>
+          <p:cNvPr id="7" name="Footer Placeholder 6"/>
+          <p:cNvSpPr>
+            <a:spLocks noGrp="1"/>
+          </p:cNvSpPr>
+          <p:nvPr>
+            <p:ph type="ftr" sz="quarter" idx="11"/>
+          </p:nvPr>
+        </p:nvSpPr>
+        <p:spPr/>
+        <p:txBody>
+          <a:bodyPr/>
+          <a:lstStyle/>
+          <a:p>
+            <a:r>
+              <a:rPr lang="en-US" smtClean="0"/>
+              <a:t>Groundwaer dynamics CT4420</a:t>
+            </a:r>
+            <a:endParaRPr lang="en-US"/>
           </a:p>
         </p:txBody>
       </p:sp>
       <p:pic>
         <p:nvPicPr>
-          <p:cNvPr id="4" name="Picture 3"/>
-          <p:cNvPicPr/>
+          <p:cNvPr id="3" name="Picture 2"/>
+          <p:cNvPicPr>
+            <a:picLocks noChangeAspect="1"/>
+          </p:cNvPicPr>
           <p:nvPr/>
         </p:nvPicPr>
         <p:blipFill>
           <a:blip r:embed="rId2"/>
-          <a:srcRect/>
           <a:stretch>
             <a:fillRect/>
           </a:stretch>
         </p:blipFill>
-        <p:spPr bwMode="auto">
+        <p:spPr>
           <a:xfrm>
-            <a:off x="2070100" y="1590674"/>
-            <a:ext cx="5016500" cy="5038725"/>
+            <a:off x="0" y="1206500"/>
+            <a:ext cx="9144000" cy="4422019"/>
           </a:xfrm>
           <a:prstGeom prst="rect">
             <a:avLst/>
           </a:prstGeom>
-          <a:noFill/>
-          <a:ln w="9525">
-            <a:noFill/>
-            <a:miter lim="800000"/>
-            <a:headEnd/>
-            <a:tailEnd/>
-          </a:ln>
         </p:spPr>
       </p:pic>
-      <p:sp>
-        <p:nvSpPr>
-          <p:cNvPr id="6" name="TextBox 5"/>
-          <p:cNvSpPr txBox="1"/>
-          <p:nvPr/>
-        </p:nvSpPr>
-        <p:spPr>
-          <a:xfrm>
-            <a:off x="228600" y="2819400"/>
-            <a:ext cx="1905000" cy="1477328"/>
-          </a:xfrm>
-          <a:prstGeom prst="rect">
-            <a:avLst/>
-          </a:prstGeom>
-          <a:noFill/>
-        </p:spPr>
-        <p:txBody>
-          <a:bodyPr wrap="square" rtlCol="0">
-            <a:spAutoFit/>
-          </a:bodyPr>
-          <a:lstStyle/>
-          <a:p>
-            <a:r>
-              <a:rPr lang="en-US" dirty="0" smtClean="0"/>
-              <a:t>Barometer efficiency is ca. 75% in this shallow semi-confined aquifer</a:t>
-            </a:r>
-            <a:endParaRPr lang="en-US" dirty="0"/>
-          </a:p>
-        </p:txBody>
-      </p:sp>
-      <p:sp>
-        <p:nvSpPr>
-          <p:cNvPr id="7" name="Date Placeholder 6"/>
-          <p:cNvSpPr>
-            <a:spLocks noGrp="1"/>
-          </p:cNvSpPr>
-          <p:nvPr>
-            <p:ph type="dt" sz="half" idx="10"/>
-          </p:nvPr>
-        </p:nvSpPr>
-        <p:spPr/>
-        <p:txBody>
-          <a:bodyPr/>
-          <a:lstStyle/>
-          <a:p>
-            <a:fld id="{C3707C80-238D-46EF-A09D-72B9A83766EE}" type="datetime1">
-              <a:rPr lang="en-US" smtClean="0"/>
-              <a:t>17/12/13</a:t>
-            </a:fld>
-            <a:endParaRPr lang="en-US"/>
-          </a:p>
-        </p:txBody>
-      </p:sp>
-      <p:sp>
-        <p:nvSpPr>
-          <p:cNvPr id="8" name="Slide Number Placeholder 7"/>
-          <p:cNvSpPr>
-            <a:spLocks noGrp="1"/>
-          </p:cNvSpPr>
-          <p:nvPr>
-            <p:ph type="sldNum" sz="quarter" idx="12"/>
-          </p:nvPr>
-        </p:nvSpPr>
-        <p:spPr/>
-        <p:txBody>
-          <a:bodyPr/>
-          <a:lstStyle/>
-          <a:p>
-            <a:fld id="{3A68414B-717D-4E1C-9A7E-C5878B7A8979}" type="slidenum">
-              <a:rPr lang="en-US" smtClean="0"/>
-              <a:t>12</a:t>
-            </a:fld>
-            <a:endParaRPr lang="en-US"/>
-          </a:p>
-        </p:txBody>
-      </p:sp>
-      <p:sp>
-        <p:nvSpPr>
-          <p:cNvPr id="9" name="Footer Placeholder 8"/>
-          <p:cNvSpPr>
-            <a:spLocks noGrp="1"/>
-          </p:cNvSpPr>
-          <p:nvPr>
-            <p:ph type="ftr" sz="quarter" idx="11"/>
-          </p:nvPr>
-        </p:nvSpPr>
-        <p:spPr/>
-        <p:txBody>
-          <a:bodyPr/>
-          <a:lstStyle/>
-          <a:p>
-            <a:r>
-              <a:rPr lang="en-US" smtClean="0"/>
-              <a:t>Groundwaer dynamics CT4420</a:t>
-            </a:r>
-            <a:endParaRPr lang="en-US"/>
-          </a:p>
-        </p:txBody>
-      </p:sp>
     </p:spTree>
   </p:cSld>
   <p:clrMapOvr>
@@ -4179,132 +4070,119 @@
         <p:spPr/>
         <p:txBody>
           <a:bodyPr>
-            <a:normAutofit fontScale="90000"/>
+            <a:normAutofit/>
           </a:bodyPr>
           <a:lstStyle/>
           <a:p>
             <a:r>
-              <a:rPr lang="en-US" dirty="0" smtClean="0"/>
-              <a:t>Tide North Sea</a:t>
-            </a:r>
-            <a:br>
-              <a:rPr lang="en-US" dirty="0" smtClean="0"/>
-            </a:br>
-            <a:r>
-              <a:rPr lang="en-US" dirty="0" err="1" smtClean="0"/>
-              <a:t>IJmuiden</a:t>
-            </a:r>
-            <a:r>
-              <a:rPr lang="en-US" dirty="0" smtClean="0"/>
-              <a:t> 15 min behind </a:t>
-            </a:r>
-            <a:r>
-              <a:rPr lang="en-US" dirty="0" err="1" smtClean="0"/>
-              <a:t>Noordwijk</a:t>
-            </a:r>
-            <a:endParaRPr lang="en-US" dirty="0"/>
+              <a:rPr lang="en-US" sz="2000" dirty="0" smtClean="0"/>
+              <a:t>Effect of </a:t>
+            </a:r>
+            <a:r>
+              <a:rPr lang="en-US" sz="2000" dirty="0" err="1" smtClean="0"/>
+              <a:t>puming</a:t>
+            </a:r>
+            <a:r>
+              <a:rPr lang="en-US" sz="2000" dirty="0" smtClean="0"/>
+              <a:t> on head in semi-confined aquifer</a:t>
+            </a:r>
+            <a:endParaRPr lang="en-US" sz="2000" dirty="0"/>
+          </a:p>
+        </p:txBody>
+      </p:sp>
+      <p:sp>
+        <p:nvSpPr>
+          <p:cNvPr id="4" name="Date Placeholder 3"/>
+          <p:cNvSpPr>
+            <a:spLocks noGrp="1"/>
+          </p:cNvSpPr>
+          <p:nvPr>
+            <p:ph type="dt" sz="half" idx="10"/>
+          </p:nvPr>
+        </p:nvSpPr>
+        <p:spPr/>
+        <p:txBody>
+          <a:bodyPr/>
+          <a:lstStyle/>
+          <a:p>
+            <a:fld id="{966938E3-F868-453A-88A2-A2EC6C56C767}" type="datetime1">
+              <a:rPr lang="en-US" smtClean="0"/>
+              <a:t>10/01/19</a:t>
+            </a:fld>
+            <a:endParaRPr lang="en-US"/>
+          </a:p>
+        </p:txBody>
+      </p:sp>
+      <p:sp>
+        <p:nvSpPr>
+          <p:cNvPr id="5" name="Slide Number Placeholder 4"/>
+          <p:cNvSpPr>
+            <a:spLocks noGrp="1"/>
+          </p:cNvSpPr>
+          <p:nvPr>
+            <p:ph type="sldNum" sz="quarter" idx="12"/>
+          </p:nvPr>
+        </p:nvSpPr>
+        <p:spPr/>
+        <p:txBody>
+          <a:bodyPr/>
+          <a:lstStyle/>
+          <a:p>
+            <a:fld id="{3A68414B-717D-4E1C-9A7E-C5878B7A8979}" type="slidenum">
+              <a:rPr lang="en-US" smtClean="0"/>
+              <a:t>13</a:t>
+            </a:fld>
+            <a:endParaRPr lang="en-US"/>
+          </a:p>
+        </p:txBody>
+      </p:sp>
+      <p:sp>
+        <p:nvSpPr>
+          <p:cNvPr id="6" name="Footer Placeholder 5"/>
+          <p:cNvSpPr>
+            <a:spLocks noGrp="1"/>
+          </p:cNvSpPr>
+          <p:nvPr>
+            <p:ph type="ftr" sz="quarter" idx="11"/>
+          </p:nvPr>
+        </p:nvSpPr>
+        <p:spPr/>
+        <p:txBody>
+          <a:bodyPr/>
+          <a:lstStyle/>
+          <a:p>
+            <a:r>
+              <a:rPr lang="en-US" smtClean="0"/>
+              <a:t>Groundwaer dynamics CT4420</a:t>
+            </a:r>
+            <a:endParaRPr lang="en-US"/>
           </a:p>
         </p:txBody>
       </p:sp>
       <p:pic>
         <p:nvPicPr>
-          <p:cNvPr id="5" name="Picture 4"/>
-          <p:cNvPicPr/>
+          <p:cNvPr id="7" name="Picture 6"/>
+          <p:cNvPicPr>
+            <a:picLocks noChangeAspect="1"/>
+          </p:cNvPicPr>
           <p:nvPr/>
         </p:nvPicPr>
         <p:blipFill>
           <a:blip r:embed="rId2"/>
-          <a:srcRect/>
           <a:stretch>
             <a:fillRect/>
           </a:stretch>
         </p:blipFill>
-        <p:spPr bwMode="auto">
+        <p:spPr>
           <a:xfrm>
-            <a:off x="990600" y="1453832"/>
-            <a:ext cx="7010400" cy="5175568"/>
+            <a:off x="0" y="1244600"/>
+            <a:ext cx="9144000" cy="4364839"/>
           </a:xfrm>
           <a:prstGeom prst="rect">
             <a:avLst/>
           </a:prstGeom>
-          <a:noFill/>
-          <a:ln w="9525">
-            <a:noFill/>
-            <a:miter lim="800000"/>
-            <a:headEnd/>
-            <a:tailEnd/>
-          </a:ln>
         </p:spPr>
       </p:pic>
-      <p:sp>
-        <p:nvSpPr>
-          <p:cNvPr id="7" name="Date Placeholder 6"/>
-          <p:cNvSpPr>
-            <a:spLocks noGrp="1"/>
-          </p:cNvSpPr>
-          <p:nvPr>
-            <p:ph type="dt" sz="half" idx="10"/>
-          </p:nvPr>
-        </p:nvSpPr>
-        <p:spPr/>
-        <p:txBody>
-          <a:bodyPr/>
-          <a:lstStyle/>
-          <a:p>
-            <a:fld id="{6A728FAA-0EBC-4885-A86B-13947E1B54ED}" type="datetime1">
-              <a:rPr lang="en-US" smtClean="0"/>
-              <a:t>17/12/13</a:t>
-            </a:fld>
-            <a:endParaRPr lang="en-US"/>
-          </a:p>
-        </p:txBody>
-      </p:sp>
-      <p:sp>
-        <p:nvSpPr>
-          <p:cNvPr id="8" name="Slide Number Placeholder 7"/>
-          <p:cNvSpPr>
-            <a:spLocks noGrp="1"/>
-          </p:cNvSpPr>
-          <p:nvPr>
-            <p:ph type="sldNum" sz="quarter" idx="12"/>
-          </p:nvPr>
-        </p:nvSpPr>
-        <p:spPr/>
-        <p:txBody>
-          <a:bodyPr/>
-          <a:lstStyle/>
-          <a:p>
-            <a:fld id="{3A68414B-717D-4E1C-9A7E-C5878B7A8979}" type="slidenum">
-              <a:rPr lang="en-US" smtClean="0"/>
-              <a:t>13</a:t>
-            </a:fld>
-            <a:endParaRPr lang="en-US"/>
-          </a:p>
-        </p:txBody>
-      </p:sp>
-      <p:sp>
-        <p:nvSpPr>
-          <p:cNvPr id="9" name="Footer Placeholder 8"/>
-          <p:cNvSpPr>
-            <a:spLocks noGrp="1"/>
-          </p:cNvSpPr>
-          <p:nvPr>
-            <p:ph type="ftr" sz="quarter" idx="11"/>
-          </p:nvPr>
-        </p:nvSpPr>
-        <p:spPr/>
-        <p:txBody>
-          <a:bodyPr/>
-          <a:lstStyle/>
-          <a:p>
-            <a:r>
-              <a:rPr lang="en-US" smtClean="0"/>
-              <a:t>Groundwaer dynamics CT4420</a:t>
-            </a:r>
-            <a:endParaRPr lang="en-US"/>
-          </a:p>
-        </p:txBody>
-      </p:sp>
     </p:spTree>
   </p:cSld>
   <p:clrMapOvr>
@@ -4350,917 +4228,111 @@
         <p:spPr/>
         <p:txBody>
           <a:bodyPr>
-            <a:normAutofit fontScale="90000"/>
+            <a:normAutofit/>
           </a:bodyPr>
           <a:lstStyle/>
           <a:p>
             <a:r>
-              <a:rPr lang="en-US" dirty="0" smtClean="0"/>
-              <a:t>Tide in semi-confined aquifer</a:t>
-            </a:r>
-            <a:br>
-              <a:rPr lang="en-US" dirty="0" smtClean="0"/>
-            </a:br>
-            <a:r>
-              <a:rPr lang="en-US" dirty="0" smtClean="0"/>
-              <a:t>versus distance from sea</a:t>
-            </a:r>
-            <a:endParaRPr lang="en-US" dirty="0"/>
+              <a:rPr lang="en-US" sz="2000" dirty="0" smtClean="0"/>
+              <a:t>Drawdown by pumping</a:t>
+            </a:r>
+            <a:endParaRPr lang="en-US" sz="2000" dirty="0"/>
+          </a:p>
+        </p:txBody>
+      </p:sp>
+      <p:sp>
+        <p:nvSpPr>
+          <p:cNvPr id="4" name="Date Placeholder 3"/>
+          <p:cNvSpPr>
+            <a:spLocks noGrp="1"/>
+          </p:cNvSpPr>
+          <p:nvPr>
+            <p:ph type="dt" sz="half" idx="10"/>
+          </p:nvPr>
+        </p:nvSpPr>
+        <p:spPr/>
+        <p:txBody>
+          <a:bodyPr/>
+          <a:lstStyle/>
+          <a:p>
+            <a:fld id="{F3EAFBF0-FCE5-45B0-A418-4E7E0F67F103}" type="datetime1">
+              <a:rPr lang="en-US" smtClean="0"/>
+              <a:t>10/01/19</a:t>
+            </a:fld>
+            <a:endParaRPr lang="en-US"/>
+          </a:p>
+        </p:txBody>
+      </p:sp>
+      <p:sp>
+        <p:nvSpPr>
+          <p:cNvPr id="5" name="Slide Number Placeholder 4"/>
+          <p:cNvSpPr>
+            <a:spLocks noGrp="1"/>
+          </p:cNvSpPr>
+          <p:nvPr>
+            <p:ph type="sldNum" sz="quarter" idx="12"/>
+          </p:nvPr>
+        </p:nvSpPr>
+        <p:spPr/>
+        <p:txBody>
+          <a:bodyPr/>
+          <a:lstStyle/>
+          <a:p>
+            <a:fld id="{3A68414B-717D-4E1C-9A7E-C5878B7A8979}" type="slidenum">
+              <a:rPr lang="en-US" smtClean="0"/>
+              <a:t>14</a:t>
+            </a:fld>
+            <a:endParaRPr lang="en-US"/>
+          </a:p>
+        </p:txBody>
+      </p:sp>
+      <p:sp>
+        <p:nvSpPr>
+          <p:cNvPr id="6" name="Footer Placeholder 5"/>
+          <p:cNvSpPr>
+            <a:spLocks noGrp="1"/>
+          </p:cNvSpPr>
+          <p:nvPr>
+            <p:ph type="ftr" sz="quarter" idx="11"/>
+          </p:nvPr>
+        </p:nvSpPr>
+        <p:spPr/>
+        <p:txBody>
+          <a:bodyPr/>
+          <a:lstStyle/>
+          <a:p>
+            <a:r>
+              <a:rPr lang="en-US" smtClean="0"/>
+              <a:t>Groundwaer dynamics CT4420</a:t>
+            </a:r>
+            <a:endParaRPr lang="en-US"/>
           </a:p>
         </p:txBody>
       </p:sp>
       <p:pic>
         <p:nvPicPr>
-          <p:cNvPr id="3" name="Picture 2"/>
-          <p:cNvPicPr/>
+          <p:cNvPr id="7" name="Picture 6"/>
+          <p:cNvPicPr>
+            <a:picLocks noChangeAspect="1"/>
+          </p:cNvPicPr>
           <p:nvPr/>
         </p:nvPicPr>
         <p:blipFill>
           <a:blip r:embed="rId2"/>
-          <a:srcRect/>
           <a:stretch>
             <a:fillRect/>
           </a:stretch>
         </p:blipFill>
-        <p:spPr bwMode="auto">
+        <p:spPr>
           <a:xfrm>
-            <a:off x="838200" y="1371600"/>
-            <a:ext cx="7315200" cy="5334000"/>
+            <a:off x="0" y="1371600"/>
+            <a:ext cx="9144000" cy="4586733"/>
           </a:xfrm>
           <a:prstGeom prst="rect">
             <a:avLst/>
           </a:prstGeom>
-          <a:noFill/>
-          <a:ln w="9525">
-            <a:noFill/>
-            <a:miter lim="800000"/>
-            <a:headEnd/>
-            <a:tailEnd/>
-          </a:ln>
         </p:spPr>
       </p:pic>
-      <p:sp>
-        <p:nvSpPr>
-          <p:cNvPr id="4" name="Date Placeholder 3"/>
-          <p:cNvSpPr>
-            <a:spLocks noGrp="1"/>
-          </p:cNvSpPr>
-          <p:nvPr>
-            <p:ph type="dt" sz="half" idx="10"/>
-          </p:nvPr>
-        </p:nvSpPr>
-        <p:spPr/>
-        <p:txBody>
-          <a:bodyPr/>
-          <a:lstStyle/>
-          <a:p>
-            <a:fld id="{3A63B56E-3A1B-4ED2-8BA7-FD84D95B13FC}" type="datetime1">
-              <a:rPr lang="en-US" smtClean="0"/>
-              <a:t>17/12/13</a:t>
-            </a:fld>
-            <a:endParaRPr lang="en-US"/>
-          </a:p>
-        </p:txBody>
-      </p:sp>
-      <p:sp>
-        <p:nvSpPr>
-          <p:cNvPr id="5" name="Slide Number Placeholder 4"/>
-          <p:cNvSpPr>
-            <a:spLocks noGrp="1"/>
-          </p:cNvSpPr>
-          <p:nvPr>
-            <p:ph type="sldNum" sz="quarter" idx="12"/>
-          </p:nvPr>
-        </p:nvSpPr>
-        <p:spPr/>
-        <p:txBody>
-          <a:bodyPr/>
-          <a:lstStyle/>
-          <a:p>
-            <a:fld id="{3A68414B-717D-4E1C-9A7E-C5878B7A8979}" type="slidenum">
-              <a:rPr lang="en-US" smtClean="0"/>
-              <a:t>14</a:t>
-            </a:fld>
-            <a:endParaRPr lang="en-US"/>
-          </a:p>
-        </p:txBody>
-      </p:sp>
-      <p:sp>
-        <p:nvSpPr>
-          <p:cNvPr id="6" name="Footer Placeholder 5"/>
-          <p:cNvSpPr>
-            <a:spLocks noGrp="1"/>
-          </p:cNvSpPr>
-          <p:nvPr>
-            <p:ph type="ftr" sz="quarter" idx="11"/>
-          </p:nvPr>
-        </p:nvSpPr>
-        <p:spPr/>
-        <p:txBody>
-          <a:bodyPr/>
-          <a:lstStyle/>
-          <a:p>
-            <a:r>
-              <a:rPr lang="en-US" smtClean="0"/>
-              <a:t>Groundwaer dynamics CT4420</a:t>
-            </a:r>
-            <a:endParaRPr lang="en-US"/>
-          </a:p>
-        </p:txBody>
-      </p:sp>
-    </p:spTree>
-  </p:cSld>
-  <p:clrMapOvr>
-    <a:masterClrMapping/>
-  </p:clrMapOvr>
-  <p:timing>
-    <p:tnLst>
-      <p:par>
-        <p:cTn xmlns:p14="http://schemas.microsoft.com/office/powerpoint/2010/main" id="1" dur="indefinite" restart="never" nodeType="tmRoot"/>
-      </p:par>
-    </p:tnLst>
-  </p:timing>
-</p:sld>
-</file>
-
-<file path=ppt/slides/slide15.xml><?xml version="1.0" encoding="utf-8"?>
-<p:sld xmlns:a="http://schemas.openxmlformats.org/drawingml/2006/main" xmlns:r="http://schemas.openxmlformats.org/officeDocument/2006/relationships" xmlns:p="http://schemas.openxmlformats.org/presentationml/2006/main">
-  <p:cSld>
-    <p:spTree>
-      <p:nvGrpSpPr>
-        <p:cNvPr id="1" name=""/>
-        <p:cNvGrpSpPr/>
-        <p:nvPr/>
-      </p:nvGrpSpPr>
-      <p:grpSpPr>
-        <a:xfrm>
-          <a:off x="0" y="0"/>
-          <a:ext cx="0" cy="0"/>
-          <a:chOff x="0" y="0"/>
-          <a:chExt cx="0" cy="0"/>
-        </a:xfrm>
-      </p:grpSpPr>
-      <p:sp>
-        <p:nvSpPr>
-          <p:cNvPr id="2" name="Title 1"/>
-          <p:cNvSpPr>
-            <a:spLocks noGrp="1"/>
-          </p:cNvSpPr>
-          <p:nvPr>
-            <p:ph type="title"/>
-          </p:nvPr>
-        </p:nvSpPr>
-        <p:spPr/>
-        <p:txBody>
-          <a:bodyPr>
-            <a:normAutofit fontScale="90000"/>
-          </a:bodyPr>
-          <a:lstStyle/>
-          <a:p>
-            <a:r>
-              <a:rPr lang="en-US" dirty="0" smtClean="0"/>
-              <a:t>Tide in semi-confined aquifer</a:t>
-            </a:r>
-            <a:br>
-              <a:rPr lang="en-US" dirty="0" smtClean="0"/>
-            </a:br>
-            <a:r>
-              <a:rPr lang="en-US" dirty="0" smtClean="0"/>
-              <a:t>versus distance from sea</a:t>
-            </a:r>
-            <a:endParaRPr lang="en-US" dirty="0"/>
-          </a:p>
-        </p:txBody>
-      </p:sp>
-      <p:pic>
-        <p:nvPicPr>
-          <p:cNvPr id="4" name="Picture 3"/>
-          <p:cNvPicPr/>
-          <p:nvPr/>
-        </p:nvPicPr>
-        <p:blipFill>
-          <a:blip r:embed="rId2"/>
-          <a:srcRect/>
-          <a:stretch>
-            <a:fillRect/>
-          </a:stretch>
-        </p:blipFill>
-        <p:spPr bwMode="auto">
-          <a:xfrm>
-            <a:off x="838200" y="1295400"/>
-            <a:ext cx="7010400" cy="5410200"/>
-          </a:xfrm>
-          <a:prstGeom prst="rect">
-            <a:avLst/>
-          </a:prstGeom>
-          <a:noFill/>
-          <a:ln w="9525">
-            <a:noFill/>
-            <a:miter lim="800000"/>
-            <a:headEnd/>
-            <a:tailEnd/>
-          </a:ln>
-        </p:spPr>
-      </p:pic>
-      <p:sp>
-        <p:nvSpPr>
-          <p:cNvPr id="5" name="Date Placeholder 4"/>
-          <p:cNvSpPr>
-            <a:spLocks noGrp="1"/>
-          </p:cNvSpPr>
-          <p:nvPr>
-            <p:ph type="dt" sz="half" idx="10"/>
-          </p:nvPr>
-        </p:nvSpPr>
-        <p:spPr/>
-        <p:txBody>
-          <a:bodyPr/>
-          <a:lstStyle/>
-          <a:p>
-            <a:fld id="{8FF24EBB-A4AD-4E72-9ECA-7B9CD7962FFE}" type="datetime1">
-              <a:rPr lang="en-US" smtClean="0"/>
-              <a:t>17/12/13</a:t>
-            </a:fld>
-            <a:endParaRPr lang="en-US"/>
-          </a:p>
-        </p:txBody>
-      </p:sp>
-      <p:sp>
-        <p:nvSpPr>
-          <p:cNvPr id="6" name="Slide Number Placeholder 5"/>
-          <p:cNvSpPr>
-            <a:spLocks noGrp="1"/>
-          </p:cNvSpPr>
-          <p:nvPr>
-            <p:ph type="sldNum" sz="quarter" idx="12"/>
-          </p:nvPr>
-        </p:nvSpPr>
-        <p:spPr/>
-        <p:txBody>
-          <a:bodyPr/>
-          <a:lstStyle/>
-          <a:p>
-            <a:fld id="{3A68414B-717D-4E1C-9A7E-C5878B7A8979}" type="slidenum">
-              <a:rPr lang="en-US" smtClean="0"/>
-              <a:t>15</a:t>
-            </a:fld>
-            <a:endParaRPr lang="en-US"/>
-          </a:p>
-        </p:txBody>
-      </p:sp>
-      <p:sp>
-        <p:nvSpPr>
-          <p:cNvPr id="7" name="Footer Placeholder 6"/>
-          <p:cNvSpPr>
-            <a:spLocks noGrp="1"/>
-          </p:cNvSpPr>
-          <p:nvPr>
-            <p:ph type="ftr" sz="quarter" idx="11"/>
-          </p:nvPr>
-        </p:nvSpPr>
-        <p:spPr/>
-        <p:txBody>
-          <a:bodyPr/>
-          <a:lstStyle/>
-          <a:p>
-            <a:r>
-              <a:rPr lang="en-US" smtClean="0"/>
-              <a:t>Groundwaer dynamics CT4420</a:t>
-            </a:r>
-            <a:endParaRPr lang="en-US"/>
-          </a:p>
-        </p:txBody>
-      </p:sp>
-    </p:spTree>
-  </p:cSld>
-  <p:clrMapOvr>
-    <a:masterClrMapping/>
-  </p:clrMapOvr>
-  <p:timing>
-    <p:tnLst>
-      <p:par>
-        <p:cTn xmlns:p14="http://schemas.microsoft.com/office/powerpoint/2010/main" id="1" dur="indefinite" restart="never" nodeType="tmRoot"/>
-      </p:par>
-    </p:tnLst>
-  </p:timing>
-</p:sld>
-</file>
-
-<file path=ppt/slides/slide16.xml><?xml version="1.0" encoding="utf-8"?>
-<p:sld xmlns:a="http://schemas.openxmlformats.org/drawingml/2006/main" xmlns:r="http://schemas.openxmlformats.org/officeDocument/2006/relationships" xmlns:p="http://schemas.openxmlformats.org/presentationml/2006/main">
-  <p:cSld>
-    <p:spTree>
-      <p:nvGrpSpPr>
-        <p:cNvPr id="1" name=""/>
-        <p:cNvGrpSpPr/>
-        <p:nvPr/>
-      </p:nvGrpSpPr>
-      <p:grpSpPr>
-        <a:xfrm>
-          <a:off x="0" y="0"/>
-          <a:ext cx="0" cy="0"/>
-          <a:chOff x="0" y="0"/>
-          <a:chExt cx="0" cy="0"/>
-        </a:xfrm>
-      </p:grpSpPr>
-      <p:sp>
-        <p:nvSpPr>
-          <p:cNvPr id="2" name="Title 1"/>
-          <p:cNvSpPr>
-            <a:spLocks noGrp="1"/>
-          </p:cNvSpPr>
-          <p:nvPr>
-            <p:ph type="title"/>
-          </p:nvPr>
-        </p:nvSpPr>
-        <p:spPr/>
-        <p:txBody>
-          <a:bodyPr>
-            <a:normAutofit fontScale="90000"/>
-          </a:bodyPr>
-          <a:lstStyle/>
-          <a:p>
-            <a:r>
-              <a:rPr lang="en-US" dirty="0" smtClean="0"/>
-              <a:t>Phreatic and confined aquifer tide close to the beach</a:t>
-            </a:r>
-            <a:endParaRPr lang="en-US" dirty="0"/>
-          </a:p>
-        </p:txBody>
-      </p:sp>
-      <p:pic>
-        <p:nvPicPr>
-          <p:cNvPr id="4" name="Picture 3"/>
-          <p:cNvPicPr/>
-          <p:nvPr/>
-        </p:nvPicPr>
-        <p:blipFill>
-          <a:blip r:embed="rId2"/>
-          <a:srcRect/>
-          <a:stretch>
-            <a:fillRect/>
-          </a:stretch>
-        </p:blipFill>
-        <p:spPr bwMode="auto">
-          <a:xfrm>
-            <a:off x="762000" y="990600"/>
-            <a:ext cx="7543800" cy="5867400"/>
-          </a:xfrm>
-          <a:prstGeom prst="rect">
-            <a:avLst/>
-          </a:prstGeom>
-          <a:noFill/>
-          <a:ln w="9525">
-            <a:noFill/>
-            <a:miter lim="800000"/>
-            <a:headEnd/>
-            <a:tailEnd/>
-          </a:ln>
-        </p:spPr>
-      </p:pic>
-      <p:sp>
-        <p:nvSpPr>
-          <p:cNvPr id="5" name="Date Placeholder 4"/>
-          <p:cNvSpPr>
-            <a:spLocks noGrp="1"/>
-          </p:cNvSpPr>
-          <p:nvPr>
-            <p:ph type="dt" sz="half" idx="10"/>
-          </p:nvPr>
-        </p:nvSpPr>
-        <p:spPr/>
-        <p:txBody>
-          <a:bodyPr/>
-          <a:lstStyle/>
-          <a:p>
-            <a:fld id="{1C2ED164-DF5D-46AE-B933-F61C32D53C21}" type="datetime1">
-              <a:rPr lang="en-US" smtClean="0"/>
-              <a:t>17/12/13</a:t>
-            </a:fld>
-            <a:endParaRPr lang="en-US"/>
-          </a:p>
-        </p:txBody>
-      </p:sp>
-      <p:sp>
-        <p:nvSpPr>
-          <p:cNvPr id="6" name="Slide Number Placeholder 5"/>
-          <p:cNvSpPr>
-            <a:spLocks noGrp="1"/>
-          </p:cNvSpPr>
-          <p:nvPr>
-            <p:ph type="sldNum" sz="quarter" idx="12"/>
-          </p:nvPr>
-        </p:nvSpPr>
-        <p:spPr/>
-        <p:txBody>
-          <a:bodyPr/>
-          <a:lstStyle/>
-          <a:p>
-            <a:fld id="{3A68414B-717D-4E1C-9A7E-C5878B7A8979}" type="slidenum">
-              <a:rPr lang="en-US" smtClean="0"/>
-              <a:t>16</a:t>
-            </a:fld>
-            <a:endParaRPr lang="en-US"/>
-          </a:p>
-        </p:txBody>
-      </p:sp>
-      <p:sp>
-        <p:nvSpPr>
-          <p:cNvPr id="7" name="Footer Placeholder 6"/>
-          <p:cNvSpPr>
-            <a:spLocks noGrp="1"/>
-          </p:cNvSpPr>
-          <p:nvPr>
-            <p:ph type="ftr" sz="quarter" idx="11"/>
-          </p:nvPr>
-        </p:nvSpPr>
-        <p:spPr/>
-        <p:txBody>
-          <a:bodyPr/>
-          <a:lstStyle/>
-          <a:p>
-            <a:r>
-              <a:rPr lang="en-US" smtClean="0"/>
-              <a:t>Groundwaer dynamics CT4420</a:t>
-            </a:r>
-            <a:endParaRPr lang="en-US"/>
-          </a:p>
-        </p:txBody>
-      </p:sp>
-    </p:spTree>
-  </p:cSld>
-  <p:clrMapOvr>
-    <a:masterClrMapping/>
-  </p:clrMapOvr>
-  <p:timing>
-    <p:tnLst>
-      <p:par>
-        <p:cTn xmlns:p14="http://schemas.microsoft.com/office/powerpoint/2010/main" id="1" dur="indefinite" restart="never" nodeType="tmRoot"/>
-      </p:par>
-    </p:tnLst>
-  </p:timing>
-</p:sld>
-</file>
-
-<file path=ppt/slides/slide17.xml><?xml version="1.0" encoding="utf-8"?>
-<p:sld xmlns:a="http://schemas.openxmlformats.org/drawingml/2006/main" xmlns:r="http://schemas.openxmlformats.org/officeDocument/2006/relationships" xmlns:p="http://schemas.openxmlformats.org/presentationml/2006/main">
-  <p:cSld>
-    <p:spTree>
-      <p:nvGrpSpPr>
-        <p:cNvPr id="1" name=""/>
-        <p:cNvGrpSpPr/>
-        <p:nvPr/>
-      </p:nvGrpSpPr>
-      <p:grpSpPr>
-        <a:xfrm>
-          <a:off x="0" y="0"/>
-          <a:ext cx="0" cy="0"/>
-          <a:chOff x="0" y="0"/>
-          <a:chExt cx="0" cy="0"/>
-        </a:xfrm>
-      </p:grpSpPr>
-      <p:sp>
-        <p:nvSpPr>
-          <p:cNvPr id="2" name="Title 1"/>
-          <p:cNvSpPr>
-            <a:spLocks noGrp="1"/>
-          </p:cNvSpPr>
-          <p:nvPr>
-            <p:ph type="title"/>
-          </p:nvPr>
-        </p:nvSpPr>
-        <p:spPr/>
-        <p:txBody>
-          <a:bodyPr>
-            <a:normAutofit fontScale="90000"/>
-          </a:bodyPr>
-          <a:lstStyle/>
-          <a:p>
-            <a:r>
-              <a:rPr lang="en-US" dirty="0" smtClean="0"/>
-              <a:t>Phreatic and confined aquifer tide close to the beach</a:t>
-            </a:r>
-            <a:endParaRPr lang="en-US" dirty="0"/>
-          </a:p>
-        </p:txBody>
-      </p:sp>
-      <p:sp>
-        <p:nvSpPr>
-          <p:cNvPr id="5" name="Date Placeholder 4"/>
-          <p:cNvSpPr>
-            <a:spLocks noGrp="1"/>
-          </p:cNvSpPr>
-          <p:nvPr>
-            <p:ph type="dt" sz="half" idx="10"/>
-          </p:nvPr>
-        </p:nvSpPr>
-        <p:spPr/>
-        <p:txBody>
-          <a:bodyPr/>
-          <a:lstStyle/>
-          <a:p>
-            <a:fld id="{0E5F4771-0D81-43F8-99F4-C64714253B0C}" type="datetime1">
-              <a:rPr lang="en-US" smtClean="0"/>
-              <a:t>17/12/13</a:t>
-            </a:fld>
-            <a:endParaRPr lang="en-US"/>
-          </a:p>
-        </p:txBody>
-      </p:sp>
-      <p:sp>
-        <p:nvSpPr>
-          <p:cNvPr id="6" name="Slide Number Placeholder 5"/>
-          <p:cNvSpPr>
-            <a:spLocks noGrp="1"/>
-          </p:cNvSpPr>
-          <p:nvPr>
-            <p:ph type="sldNum" sz="quarter" idx="12"/>
-          </p:nvPr>
-        </p:nvSpPr>
-        <p:spPr/>
-        <p:txBody>
-          <a:bodyPr/>
-          <a:lstStyle/>
-          <a:p>
-            <a:fld id="{3A68414B-717D-4E1C-9A7E-C5878B7A8979}" type="slidenum">
-              <a:rPr lang="en-US" smtClean="0"/>
-              <a:t>17</a:t>
-            </a:fld>
-            <a:endParaRPr lang="en-US"/>
-          </a:p>
-        </p:txBody>
-      </p:sp>
-      <p:sp>
-        <p:nvSpPr>
-          <p:cNvPr id="7" name="Footer Placeholder 6"/>
-          <p:cNvSpPr>
-            <a:spLocks noGrp="1"/>
-          </p:cNvSpPr>
-          <p:nvPr>
-            <p:ph type="ftr" sz="quarter" idx="11"/>
-          </p:nvPr>
-        </p:nvSpPr>
-        <p:spPr/>
-        <p:txBody>
-          <a:bodyPr/>
-          <a:lstStyle/>
-          <a:p>
-            <a:r>
-              <a:rPr lang="en-US" smtClean="0"/>
-              <a:t>Groundwaer dynamics CT4420</a:t>
-            </a:r>
-            <a:endParaRPr lang="en-US"/>
-          </a:p>
-        </p:txBody>
-      </p:sp>
-      <p:pic>
-        <p:nvPicPr>
-          <p:cNvPr id="8" name="Picture 7"/>
-          <p:cNvPicPr/>
-          <p:nvPr/>
-        </p:nvPicPr>
-        <p:blipFill>
-          <a:blip r:embed="rId2"/>
-          <a:srcRect/>
-          <a:stretch>
-            <a:fillRect/>
-          </a:stretch>
-        </p:blipFill>
-        <p:spPr bwMode="auto">
-          <a:xfrm>
-            <a:off x="304800" y="1371600"/>
-            <a:ext cx="8077200" cy="5105400"/>
-          </a:xfrm>
-          <a:prstGeom prst="rect">
-            <a:avLst/>
-          </a:prstGeom>
-          <a:noFill/>
-          <a:ln w="9525">
-            <a:noFill/>
-            <a:miter lim="800000"/>
-            <a:headEnd/>
-            <a:tailEnd/>
-          </a:ln>
-        </p:spPr>
-      </p:pic>
-    </p:spTree>
-  </p:cSld>
-  <p:clrMapOvr>
-    <a:masterClrMapping/>
-  </p:clrMapOvr>
-  <p:timing>
-    <p:tnLst>
-      <p:par>
-        <p:cTn xmlns:p14="http://schemas.microsoft.com/office/powerpoint/2010/main" id="1" dur="indefinite" restart="never" nodeType="tmRoot"/>
-      </p:par>
-    </p:tnLst>
-  </p:timing>
-</p:sld>
-</file>
-
-<file path=ppt/slides/slide18.xml><?xml version="1.0" encoding="utf-8"?>
-<p:sld xmlns:a="http://schemas.openxmlformats.org/drawingml/2006/main" xmlns:r="http://schemas.openxmlformats.org/officeDocument/2006/relationships" xmlns:p="http://schemas.openxmlformats.org/presentationml/2006/main">
-  <p:cSld>
-    <p:spTree>
-      <p:nvGrpSpPr>
-        <p:cNvPr id="1" name=""/>
-        <p:cNvGrpSpPr/>
-        <p:nvPr/>
-      </p:nvGrpSpPr>
-      <p:grpSpPr>
-        <a:xfrm>
-          <a:off x="0" y="0"/>
-          <a:ext cx="0" cy="0"/>
-          <a:chOff x="0" y="0"/>
-          <a:chExt cx="0" cy="0"/>
-        </a:xfrm>
-      </p:grpSpPr>
-      <p:sp>
-        <p:nvSpPr>
-          <p:cNvPr id="2" name="Title 1"/>
-          <p:cNvSpPr>
-            <a:spLocks noGrp="1"/>
-          </p:cNvSpPr>
-          <p:nvPr>
-            <p:ph type="title"/>
-          </p:nvPr>
-        </p:nvSpPr>
-        <p:spPr/>
-        <p:txBody>
-          <a:bodyPr>
-            <a:normAutofit fontScale="90000"/>
-          </a:bodyPr>
-          <a:lstStyle/>
-          <a:p>
-            <a:r>
-              <a:rPr lang="en-US" dirty="0" smtClean="0"/>
-              <a:t>Effect of </a:t>
-            </a:r>
-            <a:r>
-              <a:rPr lang="en-US" dirty="0" err="1" smtClean="0"/>
-              <a:t>puming</a:t>
-            </a:r>
-            <a:r>
-              <a:rPr lang="en-US" dirty="0" smtClean="0"/>
-              <a:t> on head in semi-confined aquifer</a:t>
-            </a:r>
-            <a:endParaRPr lang="en-US" dirty="0"/>
-          </a:p>
-        </p:txBody>
-      </p:sp>
-      <p:pic>
-        <p:nvPicPr>
-          <p:cNvPr id="3" name="Picture 2"/>
-          <p:cNvPicPr/>
-          <p:nvPr/>
-        </p:nvPicPr>
-        <p:blipFill>
-          <a:blip r:embed="rId2"/>
-          <a:srcRect/>
-          <a:stretch>
-            <a:fillRect/>
-          </a:stretch>
-        </p:blipFill>
-        <p:spPr bwMode="auto">
-          <a:xfrm>
-            <a:off x="0" y="1371600"/>
-            <a:ext cx="9144000" cy="5486400"/>
-          </a:xfrm>
-          <a:prstGeom prst="rect">
-            <a:avLst/>
-          </a:prstGeom>
-          <a:noFill/>
-          <a:ln w="9525">
-            <a:noFill/>
-            <a:miter lim="800000"/>
-            <a:headEnd/>
-            <a:tailEnd/>
-          </a:ln>
-        </p:spPr>
-      </p:pic>
-      <p:sp>
-        <p:nvSpPr>
-          <p:cNvPr id="4" name="Date Placeholder 3"/>
-          <p:cNvSpPr>
-            <a:spLocks noGrp="1"/>
-          </p:cNvSpPr>
-          <p:nvPr>
-            <p:ph type="dt" sz="half" idx="10"/>
-          </p:nvPr>
-        </p:nvSpPr>
-        <p:spPr/>
-        <p:txBody>
-          <a:bodyPr/>
-          <a:lstStyle/>
-          <a:p>
-            <a:fld id="{966938E3-F868-453A-88A2-A2EC6C56C767}" type="datetime1">
-              <a:rPr lang="en-US" smtClean="0"/>
-              <a:t>17/12/13</a:t>
-            </a:fld>
-            <a:endParaRPr lang="en-US"/>
-          </a:p>
-        </p:txBody>
-      </p:sp>
-      <p:sp>
-        <p:nvSpPr>
-          <p:cNvPr id="5" name="Slide Number Placeholder 4"/>
-          <p:cNvSpPr>
-            <a:spLocks noGrp="1"/>
-          </p:cNvSpPr>
-          <p:nvPr>
-            <p:ph type="sldNum" sz="quarter" idx="12"/>
-          </p:nvPr>
-        </p:nvSpPr>
-        <p:spPr/>
-        <p:txBody>
-          <a:bodyPr/>
-          <a:lstStyle/>
-          <a:p>
-            <a:fld id="{3A68414B-717D-4E1C-9A7E-C5878B7A8979}" type="slidenum">
-              <a:rPr lang="en-US" smtClean="0"/>
-              <a:t>18</a:t>
-            </a:fld>
-            <a:endParaRPr lang="en-US"/>
-          </a:p>
-        </p:txBody>
-      </p:sp>
-      <p:sp>
-        <p:nvSpPr>
-          <p:cNvPr id="6" name="Footer Placeholder 5"/>
-          <p:cNvSpPr>
-            <a:spLocks noGrp="1"/>
-          </p:cNvSpPr>
-          <p:nvPr>
-            <p:ph type="ftr" sz="quarter" idx="11"/>
-          </p:nvPr>
-        </p:nvSpPr>
-        <p:spPr/>
-        <p:txBody>
-          <a:bodyPr/>
-          <a:lstStyle/>
-          <a:p>
-            <a:r>
-              <a:rPr lang="en-US" smtClean="0"/>
-              <a:t>Groundwaer dynamics CT4420</a:t>
-            </a:r>
-            <a:endParaRPr lang="en-US"/>
-          </a:p>
-        </p:txBody>
-      </p:sp>
-    </p:spTree>
-  </p:cSld>
-  <p:clrMapOvr>
-    <a:masterClrMapping/>
-  </p:clrMapOvr>
-  <p:timing>
-    <p:tnLst>
-      <p:par>
-        <p:cTn xmlns:p14="http://schemas.microsoft.com/office/powerpoint/2010/main" id="1" dur="indefinite" restart="never" nodeType="tmRoot"/>
-      </p:par>
-    </p:tnLst>
-  </p:timing>
-</p:sld>
-</file>
-
-<file path=ppt/slides/slide19.xml><?xml version="1.0" encoding="utf-8"?>
-<p:sld xmlns:a="http://schemas.openxmlformats.org/drawingml/2006/main" xmlns:r="http://schemas.openxmlformats.org/officeDocument/2006/relationships" xmlns:p="http://schemas.openxmlformats.org/presentationml/2006/main">
-  <p:cSld>
-    <p:spTree>
-      <p:nvGrpSpPr>
-        <p:cNvPr id="1" name=""/>
-        <p:cNvGrpSpPr/>
-        <p:nvPr/>
-      </p:nvGrpSpPr>
-      <p:grpSpPr>
-        <a:xfrm>
-          <a:off x="0" y="0"/>
-          <a:ext cx="0" cy="0"/>
-          <a:chOff x="0" y="0"/>
-          <a:chExt cx="0" cy="0"/>
-        </a:xfrm>
-      </p:grpSpPr>
-      <p:sp>
-        <p:nvSpPr>
-          <p:cNvPr id="2" name="Title 1"/>
-          <p:cNvSpPr>
-            <a:spLocks noGrp="1"/>
-          </p:cNvSpPr>
-          <p:nvPr>
-            <p:ph type="title"/>
-          </p:nvPr>
-        </p:nvSpPr>
-        <p:spPr/>
-        <p:txBody>
-          <a:bodyPr/>
-          <a:lstStyle/>
-          <a:p>
-            <a:r>
-              <a:rPr lang="en-US" dirty="0" smtClean="0"/>
-              <a:t>Total extraction deep wells</a:t>
-            </a:r>
-            <a:endParaRPr lang="en-US" dirty="0"/>
-          </a:p>
-        </p:txBody>
-      </p:sp>
-      <p:pic>
-        <p:nvPicPr>
-          <p:cNvPr id="4" name="Picture 3"/>
-          <p:cNvPicPr/>
-          <p:nvPr/>
-        </p:nvPicPr>
-        <p:blipFill>
-          <a:blip r:embed="rId2"/>
-          <a:srcRect/>
-          <a:stretch>
-            <a:fillRect/>
-          </a:stretch>
-        </p:blipFill>
-        <p:spPr bwMode="auto">
-          <a:xfrm>
-            <a:off x="0" y="1371600"/>
-            <a:ext cx="9067800" cy="5486400"/>
-          </a:xfrm>
-          <a:prstGeom prst="rect">
-            <a:avLst/>
-          </a:prstGeom>
-          <a:noFill/>
-          <a:ln w="9525">
-            <a:noFill/>
-            <a:miter lim="800000"/>
-            <a:headEnd/>
-            <a:tailEnd/>
-          </a:ln>
-        </p:spPr>
-      </p:pic>
-      <p:sp>
-        <p:nvSpPr>
-          <p:cNvPr id="5" name="Date Placeholder 4"/>
-          <p:cNvSpPr>
-            <a:spLocks noGrp="1"/>
-          </p:cNvSpPr>
-          <p:nvPr>
-            <p:ph type="dt" sz="half" idx="10"/>
-          </p:nvPr>
-        </p:nvSpPr>
-        <p:spPr/>
-        <p:txBody>
-          <a:bodyPr/>
-          <a:lstStyle/>
-          <a:p>
-            <a:fld id="{E6F907D2-AD9F-4CE1-AE8F-09E05095F58A}" type="datetime1">
-              <a:rPr lang="en-US" smtClean="0"/>
-              <a:t>17/12/13</a:t>
-            </a:fld>
-            <a:endParaRPr lang="en-US"/>
-          </a:p>
-        </p:txBody>
-      </p:sp>
-      <p:sp>
-        <p:nvSpPr>
-          <p:cNvPr id="6" name="Slide Number Placeholder 5"/>
-          <p:cNvSpPr>
-            <a:spLocks noGrp="1"/>
-          </p:cNvSpPr>
-          <p:nvPr>
-            <p:ph type="sldNum" sz="quarter" idx="12"/>
-          </p:nvPr>
-        </p:nvSpPr>
-        <p:spPr/>
-        <p:txBody>
-          <a:bodyPr/>
-          <a:lstStyle/>
-          <a:p>
-            <a:fld id="{3A68414B-717D-4E1C-9A7E-C5878B7A8979}" type="slidenum">
-              <a:rPr lang="en-US" smtClean="0"/>
-              <a:t>19</a:t>
-            </a:fld>
-            <a:endParaRPr lang="en-US"/>
-          </a:p>
-        </p:txBody>
-      </p:sp>
-      <p:sp>
-        <p:nvSpPr>
-          <p:cNvPr id="7" name="Footer Placeholder 6"/>
-          <p:cNvSpPr>
-            <a:spLocks noGrp="1"/>
-          </p:cNvSpPr>
-          <p:nvPr>
-            <p:ph type="ftr" sz="quarter" idx="11"/>
-          </p:nvPr>
-        </p:nvSpPr>
-        <p:spPr/>
-        <p:txBody>
-          <a:bodyPr/>
-          <a:lstStyle/>
-          <a:p>
-            <a:r>
-              <a:rPr lang="en-US" smtClean="0"/>
-              <a:t>Groundwaer dynamics CT4420</a:t>
-            </a:r>
-            <a:endParaRPr lang="en-US"/>
-          </a:p>
-        </p:txBody>
-      </p:sp>
     </p:spTree>
   </p:cSld>
   <p:clrMapOvr>
@@ -5369,7 +4441,7 @@
           <a:p>
             <a:fld id="{5CA799D2-5981-4F2C-90C7-2F712D154C37}" type="datetime1">
               <a:rPr lang="en-US" smtClean="0"/>
-              <a:t>17/12/13</a:t>
+              <a:t>09/01/19</a:t>
             </a:fld>
             <a:endParaRPr lang="en-US"/>
           </a:p>
@@ -5401,644 +4473,6 @@
       <p:sp>
         <p:nvSpPr>
           <p:cNvPr id="7" name="Footer Placeholder 6"/>
-          <p:cNvSpPr>
-            <a:spLocks noGrp="1"/>
-          </p:cNvSpPr>
-          <p:nvPr>
-            <p:ph type="ftr" sz="quarter" idx="11"/>
-          </p:nvPr>
-        </p:nvSpPr>
-        <p:spPr/>
-        <p:txBody>
-          <a:bodyPr/>
-          <a:lstStyle/>
-          <a:p>
-            <a:r>
-              <a:rPr lang="en-US" smtClean="0"/>
-              <a:t>Groundwaer dynamics CT4420</a:t>
-            </a:r>
-            <a:endParaRPr lang="en-US"/>
-          </a:p>
-        </p:txBody>
-      </p:sp>
-    </p:spTree>
-  </p:cSld>
-  <p:clrMapOvr>
-    <a:masterClrMapping/>
-  </p:clrMapOvr>
-  <p:timing>
-    <p:tnLst>
-      <p:par>
-        <p:cTn xmlns:p14="http://schemas.microsoft.com/office/powerpoint/2010/main" id="1" dur="indefinite" restart="never" nodeType="tmRoot"/>
-      </p:par>
-    </p:tnLst>
-  </p:timing>
-</p:sld>
-</file>
-
-<file path=ppt/slides/slide20.xml><?xml version="1.0" encoding="utf-8"?>
-<p:sld xmlns:a="http://schemas.openxmlformats.org/drawingml/2006/main" xmlns:r="http://schemas.openxmlformats.org/officeDocument/2006/relationships" xmlns:p="http://schemas.openxmlformats.org/presentationml/2006/main">
-  <p:cSld>
-    <p:spTree>
-      <p:nvGrpSpPr>
-        <p:cNvPr id="1" name=""/>
-        <p:cNvGrpSpPr/>
-        <p:nvPr/>
-      </p:nvGrpSpPr>
-      <p:grpSpPr>
-        <a:xfrm>
-          <a:off x="0" y="0"/>
-          <a:ext cx="0" cy="0"/>
-          <a:chOff x="0" y="0"/>
-          <a:chExt cx="0" cy="0"/>
-        </a:xfrm>
-      </p:grpSpPr>
-      <p:sp>
-        <p:nvSpPr>
-          <p:cNvPr id="2" name="Title 1"/>
-          <p:cNvSpPr>
-            <a:spLocks noGrp="1"/>
-          </p:cNvSpPr>
-          <p:nvPr>
-            <p:ph type="title"/>
-          </p:nvPr>
-        </p:nvSpPr>
-        <p:spPr/>
-        <p:txBody>
-          <a:bodyPr/>
-          <a:lstStyle/>
-          <a:p>
-            <a:r>
-              <a:rPr lang="en-US" dirty="0" smtClean="0"/>
-              <a:t>Drawdown by pumping</a:t>
-            </a:r>
-            <a:endParaRPr lang="en-US" dirty="0"/>
-          </a:p>
-        </p:txBody>
-      </p:sp>
-      <p:pic>
-        <p:nvPicPr>
-          <p:cNvPr id="3" name="Picture 2"/>
-          <p:cNvPicPr/>
-          <p:nvPr/>
-        </p:nvPicPr>
-        <p:blipFill>
-          <a:blip r:embed="rId2"/>
-          <a:srcRect/>
-          <a:stretch>
-            <a:fillRect/>
-          </a:stretch>
-        </p:blipFill>
-        <p:spPr bwMode="auto">
-          <a:xfrm>
-            <a:off x="2057400" y="1752600"/>
-            <a:ext cx="5041900" cy="4533900"/>
-          </a:xfrm>
-          <a:prstGeom prst="rect">
-            <a:avLst/>
-          </a:prstGeom>
-          <a:noFill/>
-          <a:ln w="9525">
-            <a:noFill/>
-            <a:miter lim="800000"/>
-            <a:headEnd/>
-            <a:tailEnd/>
-          </a:ln>
-        </p:spPr>
-      </p:pic>
-      <p:sp>
-        <p:nvSpPr>
-          <p:cNvPr id="4" name="Date Placeholder 3"/>
-          <p:cNvSpPr>
-            <a:spLocks noGrp="1"/>
-          </p:cNvSpPr>
-          <p:nvPr>
-            <p:ph type="dt" sz="half" idx="10"/>
-          </p:nvPr>
-        </p:nvSpPr>
-        <p:spPr/>
-        <p:txBody>
-          <a:bodyPr/>
-          <a:lstStyle/>
-          <a:p>
-            <a:fld id="{F3EAFBF0-FCE5-45B0-A418-4E7E0F67F103}" type="datetime1">
-              <a:rPr lang="en-US" smtClean="0"/>
-              <a:t>17/12/13</a:t>
-            </a:fld>
-            <a:endParaRPr lang="en-US"/>
-          </a:p>
-        </p:txBody>
-      </p:sp>
-      <p:sp>
-        <p:nvSpPr>
-          <p:cNvPr id="5" name="Slide Number Placeholder 4"/>
-          <p:cNvSpPr>
-            <a:spLocks noGrp="1"/>
-          </p:cNvSpPr>
-          <p:nvPr>
-            <p:ph type="sldNum" sz="quarter" idx="12"/>
-          </p:nvPr>
-        </p:nvSpPr>
-        <p:spPr/>
-        <p:txBody>
-          <a:bodyPr/>
-          <a:lstStyle/>
-          <a:p>
-            <a:fld id="{3A68414B-717D-4E1C-9A7E-C5878B7A8979}" type="slidenum">
-              <a:rPr lang="en-US" smtClean="0"/>
-              <a:t>20</a:t>
-            </a:fld>
-            <a:endParaRPr lang="en-US"/>
-          </a:p>
-        </p:txBody>
-      </p:sp>
-      <p:sp>
-        <p:nvSpPr>
-          <p:cNvPr id="6" name="Footer Placeholder 5"/>
-          <p:cNvSpPr>
-            <a:spLocks noGrp="1"/>
-          </p:cNvSpPr>
-          <p:nvPr>
-            <p:ph type="ftr" sz="quarter" idx="11"/>
-          </p:nvPr>
-        </p:nvSpPr>
-        <p:spPr/>
-        <p:txBody>
-          <a:bodyPr/>
-          <a:lstStyle/>
-          <a:p>
-            <a:r>
-              <a:rPr lang="en-US" smtClean="0"/>
-              <a:t>Groundwaer dynamics CT4420</a:t>
-            </a:r>
-            <a:endParaRPr lang="en-US"/>
-          </a:p>
-        </p:txBody>
-      </p:sp>
-    </p:spTree>
-  </p:cSld>
-  <p:clrMapOvr>
-    <a:masterClrMapping/>
-  </p:clrMapOvr>
-  <p:timing>
-    <p:tnLst>
-      <p:par>
-        <p:cTn xmlns:p14="http://schemas.microsoft.com/office/powerpoint/2010/main" id="1" dur="indefinite" restart="never" nodeType="tmRoot"/>
-      </p:par>
-    </p:tnLst>
-  </p:timing>
-</p:sld>
-</file>
-
-<file path=ppt/slides/slide21.xml><?xml version="1.0" encoding="utf-8"?>
-<p:sld xmlns:a="http://schemas.openxmlformats.org/drawingml/2006/main" xmlns:r="http://schemas.openxmlformats.org/officeDocument/2006/relationships" xmlns:p="http://schemas.openxmlformats.org/presentationml/2006/main">
-  <p:cSld>
-    <p:spTree>
-      <p:nvGrpSpPr>
-        <p:cNvPr id="1" name=""/>
-        <p:cNvGrpSpPr/>
-        <p:nvPr/>
-      </p:nvGrpSpPr>
-      <p:grpSpPr>
-        <a:xfrm>
-          <a:off x="0" y="0"/>
-          <a:ext cx="0" cy="0"/>
-          <a:chOff x="0" y="0"/>
-          <a:chExt cx="0" cy="0"/>
-        </a:xfrm>
-      </p:grpSpPr>
-      <p:sp>
-        <p:nvSpPr>
-          <p:cNvPr id="2" name="Title 1"/>
-          <p:cNvSpPr>
-            <a:spLocks noGrp="1"/>
-          </p:cNvSpPr>
-          <p:nvPr>
-            <p:ph type="title"/>
-          </p:nvPr>
-        </p:nvSpPr>
-        <p:spPr/>
-        <p:txBody>
-          <a:bodyPr/>
-          <a:lstStyle/>
-          <a:p>
-            <a:r>
-              <a:rPr lang="en-US" dirty="0" smtClean="0"/>
-              <a:t>Drawdown with distance</a:t>
-            </a:r>
-            <a:endParaRPr lang="en-US" dirty="0"/>
-          </a:p>
-        </p:txBody>
-      </p:sp>
-      <p:pic>
-        <p:nvPicPr>
-          <p:cNvPr id="3" name="Picture 2"/>
-          <p:cNvPicPr/>
-          <p:nvPr/>
-        </p:nvPicPr>
-        <p:blipFill>
-          <a:blip r:embed="rId2"/>
-          <a:srcRect/>
-          <a:stretch>
-            <a:fillRect/>
-          </a:stretch>
-        </p:blipFill>
-        <p:spPr bwMode="auto">
-          <a:xfrm>
-            <a:off x="0" y="1066800"/>
-            <a:ext cx="9144000" cy="5791200"/>
-          </a:xfrm>
-          <a:prstGeom prst="rect">
-            <a:avLst/>
-          </a:prstGeom>
-          <a:noFill/>
-          <a:ln w="9525">
-            <a:noFill/>
-            <a:miter lim="800000"/>
-            <a:headEnd/>
-            <a:tailEnd/>
-          </a:ln>
-        </p:spPr>
-      </p:pic>
-      <p:sp>
-        <p:nvSpPr>
-          <p:cNvPr id="4" name="Date Placeholder 3"/>
-          <p:cNvSpPr>
-            <a:spLocks noGrp="1"/>
-          </p:cNvSpPr>
-          <p:nvPr>
-            <p:ph type="dt" sz="half" idx="10"/>
-          </p:nvPr>
-        </p:nvSpPr>
-        <p:spPr/>
-        <p:txBody>
-          <a:bodyPr/>
-          <a:lstStyle/>
-          <a:p>
-            <a:fld id="{FCB53672-94C4-4F0B-9DF4-FDCA2257AAEE}" type="datetime1">
-              <a:rPr lang="en-US" smtClean="0"/>
-              <a:t>17/12/13</a:t>
-            </a:fld>
-            <a:endParaRPr lang="en-US"/>
-          </a:p>
-        </p:txBody>
-      </p:sp>
-      <p:sp>
-        <p:nvSpPr>
-          <p:cNvPr id="5" name="Slide Number Placeholder 4"/>
-          <p:cNvSpPr>
-            <a:spLocks noGrp="1"/>
-          </p:cNvSpPr>
-          <p:nvPr>
-            <p:ph type="sldNum" sz="quarter" idx="12"/>
-          </p:nvPr>
-        </p:nvSpPr>
-        <p:spPr/>
-        <p:txBody>
-          <a:bodyPr/>
-          <a:lstStyle/>
-          <a:p>
-            <a:fld id="{3A68414B-717D-4E1C-9A7E-C5878B7A8979}" type="slidenum">
-              <a:rPr lang="en-US" smtClean="0"/>
-              <a:t>21</a:t>
-            </a:fld>
-            <a:endParaRPr lang="en-US"/>
-          </a:p>
-        </p:txBody>
-      </p:sp>
-      <p:sp>
-        <p:nvSpPr>
-          <p:cNvPr id="6" name="Footer Placeholder 5"/>
-          <p:cNvSpPr>
-            <a:spLocks noGrp="1"/>
-          </p:cNvSpPr>
-          <p:nvPr>
-            <p:ph type="ftr" sz="quarter" idx="11"/>
-          </p:nvPr>
-        </p:nvSpPr>
-        <p:spPr/>
-        <p:txBody>
-          <a:bodyPr/>
-          <a:lstStyle/>
-          <a:p>
-            <a:r>
-              <a:rPr lang="en-US" smtClean="0"/>
-              <a:t>Groundwaer dynamics CT4420</a:t>
-            </a:r>
-            <a:endParaRPr lang="en-US"/>
-          </a:p>
-        </p:txBody>
-      </p:sp>
-    </p:spTree>
-  </p:cSld>
-  <p:clrMapOvr>
-    <a:masterClrMapping/>
-  </p:clrMapOvr>
-  <p:timing>
-    <p:tnLst>
-      <p:par>
-        <p:cTn xmlns:p14="http://schemas.microsoft.com/office/powerpoint/2010/main" id="1" dur="indefinite" restart="never" nodeType="tmRoot"/>
-      </p:par>
-    </p:tnLst>
-  </p:timing>
-</p:sld>
-</file>
-
-<file path=ppt/slides/slide22.xml><?xml version="1.0" encoding="utf-8"?>
-<p:sld xmlns:a="http://schemas.openxmlformats.org/drawingml/2006/main" xmlns:r="http://schemas.openxmlformats.org/officeDocument/2006/relationships" xmlns:p="http://schemas.openxmlformats.org/presentationml/2006/main">
-  <p:cSld>
-    <p:spTree>
-      <p:nvGrpSpPr>
-        <p:cNvPr id="1" name=""/>
-        <p:cNvGrpSpPr/>
-        <p:nvPr/>
-      </p:nvGrpSpPr>
-      <p:grpSpPr>
-        <a:xfrm>
-          <a:off x="0" y="0"/>
-          <a:ext cx="0" cy="0"/>
-          <a:chOff x="0" y="0"/>
-          <a:chExt cx="0" cy="0"/>
-        </a:xfrm>
-      </p:grpSpPr>
-      <p:sp>
-        <p:nvSpPr>
-          <p:cNvPr id="2" name="Title 1"/>
-          <p:cNvSpPr>
-            <a:spLocks noGrp="1"/>
-          </p:cNvSpPr>
-          <p:nvPr>
-            <p:ph type="title"/>
-          </p:nvPr>
-        </p:nvSpPr>
-        <p:spPr/>
-        <p:txBody>
-          <a:bodyPr>
-            <a:normAutofit fontScale="90000"/>
-          </a:bodyPr>
-          <a:lstStyle/>
-          <a:p>
-            <a:r>
-              <a:rPr lang="en-US" dirty="0" smtClean="0"/>
-              <a:t>Head in a gallery in the AWD</a:t>
-            </a:r>
-            <a:br>
-              <a:rPr lang="en-US" dirty="0" smtClean="0"/>
-            </a:br>
-            <a:r>
-              <a:rPr lang="en-US" dirty="0" smtClean="0"/>
-              <a:t>showing extraction</a:t>
-            </a:r>
-            <a:endParaRPr lang="en-US" dirty="0"/>
-          </a:p>
-        </p:txBody>
-      </p:sp>
-      <p:pic>
-        <p:nvPicPr>
-          <p:cNvPr id="3" name="Picture 2"/>
-          <p:cNvPicPr/>
-          <p:nvPr/>
-        </p:nvPicPr>
-        <p:blipFill>
-          <a:blip r:embed="rId2"/>
-          <a:srcRect/>
-          <a:stretch>
-            <a:fillRect/>
-          </a:stretch>
-        </p:blipFill>
-        <p:spPr bwMode="auto">
-          <a:xfrm>
-            <a:off x="0" y="1295400"/>
-            <a:ext cx="9144000" cy="5562600"/>
-          </a:xfrm>
-          <a:prstGeom prst="rect">
-            <a:avLst/>
-          </a:prstGeom>
-          <a:noFill/>
-          <a:ln w="9525">
-            <a:noFill/>
-            <a:miter lim="800000"/>
-            <a:headEnd/>
-            <a:tailEnd/>
-          </a:ln>
-        </p:spPr>
-      </p:pic>
-      <p:sp>
-        <p:nvSpPr>
-          <p:cNvPr id="4" name="Date Placeholder 3"/>
-          <p:cNvSpPr>
-            <a:spLocks noGrp="1"/>
-          </p:cNvSpPr>
-          <p:nvPr>
-            <p:ph type="dt" sz="half" idx="10"/>
-          </p:nvPr>
-        </p:nvSpPr>
-        <p:spPr/>
-        <p:txBody>
-          <a:bodyPr/>
-          <a:lstStyle/>
-          <a:p>
-            <a:fld id="{A021A462-64B4-410C-91C7-DAEFB9781AF3}" type="datetime1">
-              <a:rPr lang="en-US" smtClean="0"/>
-              <a:t>17/12/13</a:t>
-            </a:fld>
-            <a:endParaRPr lang="en-US"/>
-          </a:p>
-        </p:txBody>
-      </p:sp>
-      <p:sp>
-        <p:nvSpPr>
-          <p:cNvPr id="5" name="Slide Number Placeholder 4"/>
-          <p:cNvSpPr>
-            <a:spLocks noGrp="1"/>
-          </p:cNvSpPr>
-          <p:nvPr>
-            <p:ph type="sldNum" sz="quarter" idx="12"/>
-          </p:nvPr>
-        </p:nvSpPr>
-        <p:spPr/>
-        <p:txBody>
-          <a:bodyPr/>
-          <a:lstStyle/>
-          <a:p>
-            <a:fld id="{3A68414B-717D-4E1C-9A7E-C5878B7A8979}" type="slidenum">
-              <a:rPr lang="en-US" smtClean="0"/>
-              <a:t>22</a:t>
-            </a:fld>
-            <a:endParaRPr lang="en-US"/>
-          </a:p>
-        </p:txBody>
-      </p:sp>
-      <p:sp>
-        <p:nvSpPr>
-          <p:cNvPr id="6" name="Footer Placeholder 5"/>
-          <p:cNvSpPr>
-            <a:spLocks noGrp="1"/>
-          </p:cNvSpPr>
-          <p:nvPr>
-            <p:ph type="ftr" sz="quarter" idx="11"/>
-          </p:nvPr>
-        </p:nvSpPr>
-        <p:spPr/>
-        <p:txBody>
-          <a:bodyPr/>
-          <a:lstStyle/>
-          <a:p>
-            <a:r>
-              <a:rPr lang="en-US" smtClean="0"/>
-              <a:t>Groundwaer dynamics CT4420</a:t>
-            </a:r>
-            <a:endParaRPr lang="en-US"/>
-          </a:p>
-        </p:txBody>
-      </p:sp>
-    </p:spTree>
-  </p:cSld>
-  <p:clrMapOvr>
-    <a:masterClrMapping/>
-  </p:clrMapOvr>
-  <p:timing>
-    <p:tnLst>
-      <p:par>
-        <p:cTn xmlns:p14="http://schemas.microsoft.com/office/powerpoint/2010/main" id="1" dur="indefinite" restart="never" nodeType="tmRoot"/>
-      </p:par>
-    </p:tnLst>
-  </p:timing>
-</p:sld>
-</file>
-
-<file path=ppt/slides/slide23.xml><?xml version="1.0" encoding="utf-8"?>
-<p:sld xmlns:a="http://schemas.openxmlformats.org/drawingml/2006/main" xmlns:r="http://schemas.openxmlformats.org/officeDocument/2006/relationships" xmlns:p="http://schemas.openxmlformats.org/presentationml/2006/main">
-  <p:cSld>
-    <p:spTree>
-      <p:nvGrpSpPr>
-        <p:cNvPr id="1" name=""/>
-        <p:cNvGrpSpPr/>
-        <p:nvPr/>
-      </p:nvGrpSpPr>
-      <p:grpSpPr>
-        <a:xfrm>
-          <a:off x="0" y="0"/>
-          <a:ext cx="0" cy="0"/>
-          <a:chOff x="0" y="0"/>
-          <a:chExt cx="0" cy="0"/>
-        </a:xfrm>
-      </p:grpSpPr>
-      <p:sp>
-        <p:nvSpPr>
-          <p:cNvPr id="2" name="Title 1"/>
-          <p:cNvSpPr>
-            <a:spLocks noGrp="1"/>
-          </p:cNvSpPr>
-          <p:nvPr>
-            <p:ph type="title"/>
-          </p:nvPr>
-        </p:nvSpPr>
-        <p:spPr/>
-        <p:txBody>
-          <a:bodyPr>
-            <a:normAutofit fontScale="90000"/>
-          </a:bodyPr>
-          <a:lstStyle/>
-          <a:p>
-            <a:r>
-              <a:rPr lang="en-US" dirty="0" smtClean="0"/>
-              <a:t>Head in a gallery in AWD</a:t>
-            </a:r>
-            <a:br>
-              <a:rPr lang="en-US" dirty="0" smtClean="0"/>
-            </a:br>
-            <a:r>
-              <a:rPr lang="en-US" dirty="0" smtClean="0"/>
-              <a:t>showing </a:t>
-            </a:r>
-            <a:r>
-              <a:rPr lang="en-US" dirty="0" err="1" smtClean="0"/>
-              <a:t>extaction</a:t>
-            </a:r>
-            <a:endParaRPr lang="en-US" dirty="0"/>
-          </a:p>
-        </p:txBody>
-      </p:sp>
-      <p:pic>
-        <p:nvPicPr>
-          <p:cNvPr id="3" name="Picture 2"/>
-          <p:cNvPicPr/>
-          <p:nvPr/>
-        </p:nvPicPr>
-        <p:blipFill>
-          <a:blip r:embed="rId2"/>
-          <a:srcRect/>
-          <a:stretch>
-            <a:fillRect/>
-          </a:stretch>
-        </p:blipFill>
-        <p:spPr bwMode="auto">
-          <a:xfrm>
-            <a:off x="457200" y="1524000"/>
-            <a:ext cx="7620000" cy="5144916"/>
-          </a:xfrm>
-          <a:prstGeom prst="rect">
-            <a:avLst/>
-          </a:prstGeom>
-          <a:noFill/>
-          <a:ln w="9525">
-            <a:noFill/>
-            <a:miter lim="800000"/>
-            <a:headEnd/>
-            <a:tailEnd/>
-          </a:ln>
-        </p:spPr>
-      </p:pic>
-      <p:sp>
-        <p:nvSpPr>
-          <p:cNvPr id="4" name="Date Placeholder 3"/>
-          <p:cNvSpPr>
-            <a:spLocks noGrp="1"/>
-          </p:cNvSpPr>
-          <p:nvPr>
-            <p:ph type="dt" sz="half" idx="10"/>
-          </p:nvPr>
-        </p:nvSpPr>
-        <p:spPr/>
-        <p:txBody>
-          <a:bodyPr/>
-          <a:lstStyle/>
-          <a:p>
-            <a:fld id="{7333B99D-8BB7-4091-A55B-98873B1E5F89}" type="datetime1">
-              <a:rPr lang="en-US" smtClean="0"/>
-              <a:t>17/12/13</a:t>
-            </a:fld>
-            <a:endParaRPr lang="en-US"/>
-          </a:p>
-        </p:txBody>
-      </p:sp>
-      <p:sp>
-        <p:nvSpPr>
-          <p:cNvPr id="5" name="Slide Number Placeholder 4"/>
-          <p:cNvSpPr>
-            <a:spLocks noGrp="1"/>
-          </p:cNvSpPr>
-          <p:nvPr>
-            <p:ph type="sldNum" sz="quarter" idx="12"/>
-          </p:nvPr>
-        </p:nvSpPr>
-        <p:spPr/>
-        <p:txBody>
-          <a:bodyPr/>
-          <a:lstStyle/>
-          <a:p>
-            <a:fld id="{3A68414B-717D-4E1C-9A7E-C5878B7A8979}" type="slidenum">
-              <a:rPr lang="en-US" smtClean="0"/>
-              <a:t>23</a:t>
-            </a:fld>
-            <a:endParaRPr lang="en-US"/>
-          </a:p>
-        </p:txBody>
-      </p:sp>
-      <p:sp>
-        <p:nvSpPr>
-          <p:cNvPr id="6" name="Footer Placeholder 5"/>
           <p:cNvSpPr>
             <a:spLocks noGrp="1"/>
           </p:cNvSpPr>
@@ -6162,7 +4596,7 @@
           <a:p>
             <a:fld id="{9CDE002E-17EB-4603-B910-359310D56216}" type="datetime1">
               <a:rPr lang="en-US" smtClean="0"/>
-              <a:t>17/12/13</a:t>
+              <a:t>09/01/19</a:t>
             </a:fld>
             <a:endParaRPr lang="en-US"/>
           </a:p>
@@ -6258,50 +4692,41 @@
         </p:nvSpPr>
         <p:spPr/>
         <p:txBody>
-          <a:bodyPr/>
-          <a:lstStyle/>
-          <a:p>
-            <a:r>
-              <a:rPr lang="en-US" dirty="0" smtClean="0"/>
-              <a:t>Time series analyses</a:t>
-            </a:r>
-            <a:endParaRPr lang="en-US" dirty="0"/>
-          </a:p>
-        </p:txBody>
-      </p:sp>
-      <p:pic>
-        <p:nvPicPr>
-          <p:cNvPr id="3" name="Picture 2"/>
-          <p:cNvPicPr/>
-          <p:nvPr/>
-        </p:nvPicPr>
-        <p:blipFill>
-          <a:blip r:embed="rId2"/>
-          <a:srcRect/>
-          <a:stretch>
-            <a:fillRect/>
-          </a:stretch>
-        </p:blipFill>
-        <p:spPr bwMode="auto">
-          <a:xfrm>
-            <a:off x="1981200" y="1676400"/>
-            <a:ext cx="5239385" cy="5181600"/>
-          </a:xfrm>
-          <a:prstGeom prst="rect">
-            <a:avLst/>
-          </a:prstGeom>
-          <a:noFill/>
-          <a:ln w="9525">
-            <a:noFill/>
-            <a:miter lim="800000"/>
-            <a:headEnd/>
-            <a:tailEnd/>
-          </a:ln>
-        </p:spPr>
-      </p:pic>
-      <p:sp>
-        <p:nvSpPr>
-          <p:cNvPr id="4" name="Date Placeholder 3"/>
+          <a:bodyPr>
+            <a:normAutofit/>
+          </a:bodyPr>
+          <a:lstStyle/>
+          <a:p>
+            <a:r>
+              <a:rPr lang="en-US" sz="2000" dirty="0" smtClean="0"/>
+              <a:t>200 m south of </a:t>
+            </a:r>
+            <a:r>
+              <a:rPr lang="en-US" sz="2000" dirty="0" err="1" smtClean="0"/>
+              <a:t>Kromme</a:t>
+            </a:r>
+            <a:r>
+              <a:rPr lang="en-US" sz="2000" dirty="0" smtClean="0"/>
+              <a:t> Schuster AWD</a:t>
+            </a:r>
+            <a:r>
+              <a:rPr lang="en-US" sz="2000" dirty="0"/>
+              <a:t/>
+            </a:r>
+            <a:br>
+              <a:rPr lang="en-US" sz="2000" dirty="0"/>
+            </a:br>
+            <a:r>
+              <a:rPr lang="en-US" sz="2000" dirty="0" smtClean="0"/>
+              <a:t>(confined head and barometer)</a:t>
+            </a:r>
+            <a:endParaRPr lang="en-US" sz="2000" dirty="0"/>
+          </a:p>
+        </p:txBody>
+      </p:sp>
+      <p:sp>
+        <p:nvSpPr>
+          <p:cNvPr id="6" name="Date Placeholder 5"/>
           <p:cNvSpPr>
             <a:spLocks noGrp="1"/>
           </p:cNvSpPr>
@@ -6314,9 +4739,9 @@
           <a:bodyPr/>
           <a:lstStyle/>
           <a:p>
-            <a:fld id="{A1266E95-F6A6-48A1-980A-F38350AD2E5C}" type="datetime1">
-              <a:rPr lang="en-US" smtClean="0"/>
-              <a:t>17/12/13</a:t>
+            <a:fld id="{3BAB7D11-70E1-4362-954F-4CF883CB5AEE}" type="datetime1">
+              <a:rPr lang="en-US" smtClean="0"/>
+              <a:t>10/01/19</a:t>
             </a:fld>
             <a:endParaRPr lang="en-US"/>
           </a:p>
@@ -6324,7 +4749,7 @@
       </p:sp>
       <p:sp>
         <p:nvSpPr>
-          <p:cNvPr id="5" name="Slide Number Placeholder 4"/>
+          <p:cNvPr id="7" name="Slide Number Placeholder 6"/>
           <p:cNvSpPr>
             <a:spLocks noGrp="1"/>
           </p:cNvSpPr>
@@ -6347,7 +4772,7 @@
       </p:sp>
       <p:sp>
         <p:nvSpPr>
-          <p:cNvPr id="6" name="Footer Placeholder 5"/>
+          <p:cNvPr id="8" name="Footer Placeholder 7"/>
           <p:cNvSpPr>
             <a:spLocks noGrp="1"/>
           </p:cNvSpPr>
@@ -6368,6 +4793,69 @@
           </a:p>
         </p:txBody>
       </p:sp>
+      <p:grpSp>
+        <p:nvGrpSpPr>
+          <p:cNvPr id="10" name="Group 9"/>
+          <p:cNvGrpSpPr/>
+          <p:nvPr/>
+        </p:nvGrpSpPr>
+        <p:grpSpPr>
+          <a:xfrm>
+            <a:off x="838200" y="25400"/>
+            <a:ext cx="7023100" cy="6795569"/>
+            <a:chOff x="838200" y="25400"/>
+            <a:chExt cx="7023100" cy="6795569"/>
+          </a:xfrm>
+        </p:grpSpPr>
+        <p:pic>
+          <p:nvPicPr>
+            <p:cNvPr id="3" name="Picture 2"/>
+            <p:cNvPicPr>
+              <a:picLocks noChangeAspect="1"/>
+            </p:cNvPicPr>
+            <p:nvPr/>
+          </p:nvPicPr>
+          <p:blipFill>
+            <a:blip r:embed="rId2"/>
+            <a:stretch>
+              <a:fillRect/>
+            </a:stretch>
+          </p:blipFill>
+          <p:spPr>
+            <a:xfrm>
+              <a:off x="990600" y="25400"/>
+              <a:ext cx="6870700" cy="3457278"/>
+            </a:xfrm>
+            <a:prstGeom prst="rect">
+              <a:avLst/>
+            </a:prstGeom>
+          </p:spPr>
+        </p:pic>
+        <p:pic>
+          <p:nvPicPr>
+            <p:cNvPr id="9" name="Picture 8"/>
+            <p:cNvPicPr>
+              <a:picLocks noChangeAspect="1"/>
+            </p:cNvPicPr>
+            <p:nvPr/>
+          </p:nvPicPr>
+          <p:blipFill>
+            <a:blip r:embed="rId3"/>
+            <a:stretch>
+              <a:fillRect/>
+            </a:stretch>
+          </p:blipFill>
+          <p:spPr>
+            <a:xfrm>
+              <a:off x="838200" y="3429000"/>
+              <a:ext cx="7010400" cy="3391969"/>
+            </a:xfrm>
+            <a:prstGeom prst="rect">
+              <a:avLst/>
+            </a:prstGeom>
+          </p:spPr>
+        </p:pic>
+      </p:grpSp>
     </p:spTree>
   </p:cSld>
   <p:clrMapOvr>
@@ -6412,20 +4900,41 @@
         </p:nvSpPr>
         <p:spPr/>
         <p:txBody>
-          <a:bodyPr/>
-          <a:lstStyle/>
-          <a:p>
-            <a:r>
-              <a:rPr lang="en-US" dirty="0" smtClean="0"/>
-              <a:t>Time series analysis</a:t>
-            </a:r>
-            <a:endParaRPr lang="en-US" dirty="0"/>
+          <a:bodyPr>
+            <a:normAutofit/>
+          </a:bodyPr>
+          <a:lstStyle/>
+          <a:p>
+            <a:r>
+              <a:rPr lang="en-US" sz="1600" dirty="0" smtClean="0"/>
+              <a:t>200 m south of </a:t>
+            </a:r>
+            <a:r>
+              <a:rPr lang="en-US" sz="1600" dirty="0" err="1" smtClean="0"/>
+              <a:t>Kromme</a:t>
+            </a:r>
+            <a:r>
+              <a:rPr lang="en-US" sz="1600" dirty="0" smtClean="0"/>
+              <a:t> Schuster AWD</a:t>
+            </a:r>
+            <a:r>
+              <a:rPr lang="en-US" sz="1600" dirty="0"/>
+              <a:t/>
+            </a:r>
+            <a:br>
+              <a:rPr lang="en-US" sz="1600" dirty="0"/>
+            </a:br>
+            <a:r>
+              <a:rPr lang="en-US" sz="1600" dirty="0" smtClean="0"/>
+              <a:t>(confined head and barometer)</a:t>
+            </a:r>
+            <a:endParaRPr lang="en-US" sz="1600" dirty="0"/>
           </a:p>
         </p:txBody>
       </p:sp>
       <p:pic>
         <p:nvPicPr>
-          <p:cNvPr id="3" name="Picture 2"/>
+          <p:cNvPr id="4" name="Picture 3"/>
           <p:cNvPicPr/>
           <p:nvPr/>
         </p:nvPicPr>
@@ -6438,8 +4947,8 @@
         </p:blipFill>
         <p:spPr bwMode="auto">
           <a:xfrm>
-            <a:off x="1479550" y="1293608"/>
-            <a:ext cx="5988050" cy="5564391"/>
+            <a:off x="2070100" y="1590674"/>
+            <a:ext cx="5016500" cy="5038725"/>
           </a:xfrm>
           <a:prstGeom prst="rect">
             <a:avLst/>
@@ -6455,7 +4964,37 @@
       </p:pic>
       <p:sp>
         <p:nvSpPr>
-          <p:cNvPr id="4" name="Date Placeholder 3"/>
+          <p:cNvPr id="6" name="TextBox 5"/>
+          <p:cNvSpPr txBox="1"/>
+          <p:nvPr/>
+        </p:nvSpPr>
+        <p:spPr>
+          <a:xfrm>
+            <a:off x="228600" y="2819400"/>
+            <a:ext cx="1905000" cy="1477328"/>
+          </a:xfrm>
+          <a:prstGeom prst="rect">
+            <a:avLst/>
+          </a:prstGeom>
+          <a:noFill/>
+        </p:spPr>
+        <p:txBody>
+          <a:bodyPr wrap="square" rtlCol="0">
+            <a:spAutoFit/>
+          </a:bodyPr>
+          <a:lstStyle/>
+          <a:p>
+            <a:r>
+              <a:rPr lang="en-US" dirty="0" smtClean="0"/>
+              <a:t>Barometer efficiency is ca. 75% in this shallow semi-confined aquifer</a:t>
+            </a:r>
+            <a:endParaRPr lang="en-US" dirty="0"/>
+          </a:p>
+        </p:txBody>
+      </p:sp>
+      <p:sp>
+        <p:nvSpPr>
+          <p:cNvPr id="7" name="Date Placeholder 6"/>
           <p:cNvSpPr>
             <a:spLocks noGrp="1"/>
           </p:cNvSpPr>
@@ -6468,9 +5007,9 @@
           <a:bodyPr/>
           <a:lstStyle/>
           <a:p>
-            <a:fld id="{382AC98A-AB61-44DE-8B99-C5BDD2B504C7}" type="datetime1">
-              <a:rPr lang="en-US" smtClean="0"/>
-              <a:t>17/12/13</a:t>
+            <a:fld id="{C3707C80-238D-46EF-A09D-72B9A83766EE}" type="datetime1">
+              <a:rPr lang="en-US" smtClean="0"/>
+              <a:t>09/01/19</a:t>
             </a:fld>
             <a:endParaRPr lang="en-US"/>
           </a:p>
@@ -6478,7 +5017,7 @@
       </p:sp>
       <p:sp>
         <p:nvSpPr>
-          <p:cNvPr id="5" name="Slide Number Placeholder 4"/>
+          <p:cNvPr id="8" name="Slide Number Placeholder 7"/>
           <p:cNvSpPr>
             <a:spLocks noGrp="1"/>
           </p:cNvSpPr>
@@ -6501,7 +5040,7 @@
       </p:sp>
       <p:sp>
         <p:nvSpPr>
-          <p:cNvPr id="6" name="Footer Placeholder 5"/>
+          <p:cNvPr id="9" name="Footer Placeholder 8"/>
           <p:cNvSpPr>
             <a:spLocks noGrp="1"/>
           </p:cNvSpPr>
@@ -6567,143 +5106,126 @@
         <p:spPr/>
         <p:txBody>
           <a:bodyPr>
-            <a:normAutofit fontScale="90000"/>
+            <a:normAutofit/>
           </a:bodyPr>
           <a:lstStyle/>
           <a:p>
             <a:r>
-              <a:rPr lang="en-US" dirty="0" err="1" smtClean="0"/>
-              <a:t>Groot</a:t>
-            </a:r>
-            <a:r>
-              <a:rPr lang="en-US" dirty="0" smtClean="0"/>
-              <a:t> </a:t>
-            </a:r>
-            <a:r>
-              <a:rPr lang="en-US" dirty="0" err="1" smtClean="0"/>
-              <a:t>Zwarteveld</a:t>
-            </a:r>
-            <a:r>
-              <a:rPr lang="en-US" dirty="0"/>
+              <a:rPr lang="en-US" sz="2000" dirty="0" smtClean="0"/>
+              <a:t>Flower bulb field De </a:t>
+            </a:r>
+            <a:r>
+              <a:rPr lang="en-US" sz="2000" dirty="0" err="1" smtClean="0"/>
+              <a:t>Zilk</a:t>
+            </a:r>
+            <a:r>
+              <a:rPr lang="en-US" sz="2000" dirty="0"/>
               <a:t/>
             </a:r>
             <a:br>
-              <a:rPr lang="en-US" dirty="0"/>
+              <a:rPr lang="en-US" sz="2000" dirty="0"/>
             </a:br>
             <a:r>
-              <a:rPr lang="en-US" dirty="0" smtClean="0"/>
-              <a:t>(shallow water table large system)</a:t>
-            </a:r>
-            <a:br>
-              <a:rPr lang="en-US" dirty="0" smtClean="0"/>
-            </a:br>
-            <a:r>
-              <a:rPr lang="en-US" dirty="0" smtClean="0"/>
-              <a:t>summer</a:t>
-            </a:r>
-            <a:endParaRPr lang="en-US" dirty="0"/>
+              <a:rPr lang="en-US" sz="2000" dirty="0" smtClean="0"/>
+              <a:t>(shallow water table small system)</a:t>
+            </a:r>
+            <a:endParaRPr lang="en-US" sz="2000" dirty="0"/>
+          </a:p>
+        </p:txBody>
+      </p:sp>
+      <p:sp>
+        <p:nvSpPr>
+          <p:cNvPr id="6" name="Date Placeholder 5"/>
+          <p:cNvSpPr>
+            <a:spLocks noGrp="1"/>
+          </p:cNvSpPr>
+          <p:nvPr>
+            <p:ph type="dt" sz="half" idx="10"/>
+          </p:nvPr>
+        </p:nvSpPr>
+        <p:spPr/>
+        <p:txBody>
+          <a:bodyPr/>
+          <a:lstStyle/>
+          <a:p>
+            <a:fld id="{804A9749-BFC1-49E1-B50D-CE5DE6BE382E}" type="datetime1">
+              <a:rPr lang="en-US" smtClean="0"/>
+              <a:t>10/01/19</a:t>
+            </a:fld>
+            <a:endParaRPr lang="en-US"/>
+          </a:p>
+        </p:txBody>
+      </p:sp>
+      <p:sp>
+        <p:nvSpPr>
+          <p:cNvPr id="7" name="Slide Number Placeholder 6"/>
+          <p:cNvSpPr>
+            <a:spLocks noGrp="1"/>
+          </p:cNvSpPr>
+          <p:nvPr>
+            <p:ph type="sldNum" sz="quarter" idx="12"/>
+          </p:nvPr>
+        </p:nvSpPr>
+        <p:spPr/>
+        <p:txBody>
+          <a:bodyPr/>
+          <a:lstStyle/>
+          <a:p>
+            <a:fld id="{3A68414B-717D-4E1C-9A7E-C5878B7A8979}" type="slidenum">
+              <a:rPr lang="en-US" smtClean="0"/>
+              <a:t>6</a:t>
+            </a:fld>
+            <a:endParaRPr lang="en-US"/>
+          </a:p>
+        </p:txBody>
+      </p:sp>
+      <p:sp>
+        <p:nvSpPr>
+          <p:cNvPr id="8" name="Footer Placeholder 7"/>
+          <p:cNvSpPr>
+            <a:spLocks noGrp="1"/>
+          </p:cNvSpPr>
+          <p:nvPr>
+            <p:ph type="ftr" sz="quarter" idx="11"/>
+          </p:nvPr>
+        </p:nvSpPr>
+        <p:spPr/>
+        <p:txBody>
+          <a:bodyPr/>
+          <a:lstStyle/>
+          <a:p>
+            <a:r>
+              <a:rPr lang="en-US" smtClean="0"/>
+              <a:t>Groundwaer dynamics CT4420</a:t>
+            </a:r>
+            <a:endParaRPr lang="en-US"/>
           </a:p>
         </p:txBody>
       </p:sp>
       <p:pic>
         <p:nvPicPr>
           <p:cNvPr id="3" name="Picture 2"/>
-          <p:cNvPicPr/>
+          <p:cNvPicPr>
+            <a:picLocks noChangeAspect="1"/>
+          </p:cNvPicPr>
           <p:nvPr/>
         </p:nvPicPr>
         <p:blipFill>
           <a:blip r:embed="rId2"/>
-          <a:srcRect/>
           <a:stretch>
             <a:fillRect/>
           </a:stretch>
         </p:blipFill>
-        <p:spPr bwMode="auto">
+        <p:spPr>
           <a:xfrm>
-            <a:off x="990600" y="1524000"/>
-            <a:ext cx="7391400" cy="5029200"/>
+            <a:off x="0" y="1417143"/>
+            <a:ext cx="9144000" cy="4374057"/>
           </a:xfrm>
           <a:prstGeom prst="rect">
             <a:avLst/>
           </a:prstGeom>
-          <a:noFill/>
-          <a:ln w="9525">
-            <a:noFill/>
-            <a:miter lim="800000"/>
-            <a:headEnd/>
-            <a:tailEnd/>
-          </a:ln>
         </p:spPr>
       </p:pic>
-      <p:sp>
-        <p:nvSpPr>
-          <p:cNvPr id="4" name="Date Placeholder 3"/>
-          <p:cNvSpPr>
-            <a:spLocks noGrp="1"/>
-          </p:cNvSpPr>
-          <p:nvPr>
-            <p:ph type="dt" sz="half" idx="10"/>
-          </p:nvPr>
-        </p:nvSpPr>
-        <p:spPr/>
-        <p:txBody>
-          <a:bodyPr/>
-          <a:lstStyle/>
-          <a:p>
-            <a:fld id="{9662EFD0-C859-4331-A5D6-4826084D81B5}" type="datetime1">
-              <a:rPr lang="en-US" smtClean="0"/>
-              <a:t>17/12/13</a:t>
-            </a:fld>
-            <a:endParaRPr lang="en-US"/>
-          </a:p>
-        </p:txBody>
-      </p:sp>
-      <p:sp>
-        <p:nvSpPr>
-          <p:cNvPr id="5" name="Slide Number Placeholder 4"/>
-          <p:cNvSpPr>
-            <a:spLocks noGrp="1"/>
-          </p:cNvSpPr>
-          <p:nvPr>
-            <p:ph type="sldNum" sz="quarter" idx="12"/>
-          </p:nvPr>
-        </p:nvSpPr>
-        <p:spPr/>
-        <p:txBody>
-          <a:bodyPr/>
-          <a:lstStyle/>
-          <a:p>
-            <a:fld id="{3A68414B-717D-4E1C-9A7E-C5878B7A8979}" type="slidenum">
-              <a:rPr lang="en-US" smtClean="0"/>
-              <a:t>6</a:t>
-            </a:fld>
-            <a:endParaRPr lang="en-US"/>
-          </a:p>
-        </p:txBody>
-      </p:sp>
-      <p:sp>
-        <p:nvSpPr>
-          <p:cNvPr id="6" name="Footer Placeholder 5"/>
-          <p:cNvSpPr>
-            <a:spLocks noGrp="1"/>
-          </p:cNvSpPr>
-          <p:nvPr>
-            <p:ph type="ftr" sz="quarter" idx="11"/>
-          </p:nvPr>
-        </p:nvSpPr>
-        <p:spPr/>
-        <p:txBody>
-          <a:bodyPr/>
-          <a:lstStyle/>
-          <a:p>
-            <a:r>
-              <a:rPr lang="en-US" smtClean="0"/>
-              <a:t>Groundwaer dynamics CT4420</a:t>
-            </a:r>
-            <a:endParaRPr lang="en-US"/>
-          </a:p>
-        </p:txBody>
-      </p:sp>
     </p:spTree>
   </p:cSld>
   <p:clrMapOvr>
@@ -6749,143 +5271,127 @@
         <p:spPr/>
         <p:txBody>
           <a:bodyPr>
-            <a:normAutofit fontScale="90000"/>
+            <a:normAutofit/>
           </a:bodyPr>
           <a:lstStyle/>
           <a:p>
             <a:r>
-              <a:rPr lang="en-US" dirty="0" err="1" smtClean="0"/>
+              <a:rPr lang="en-US" sz="2000" dirty="0" err="1" smtClean="0"/>
               <a:t>Groot</a:t>
             </a:r>
             <a:r>
-              <a:rPr lang="en-US" dirty="0" smtClean="0"/>
+              <a:rPr lang="en-US" sz="2000" dirty="0" smtClean="0"/>
               <a:t> </a:t>
             </a:r>
             <a:r>
-              <a:rPr lang="en-US" dirty="0" err="1" smtClean="0"/>
+              <a:rPr lang="en-US" sz="2000" dirty="0" err="1" smtClean="0"/>
               <a:t>Zwarteveld</a:t>
             </a:r>
             <a:r>
-              <a:rPr lang="en-US" dirty="0"/>
-              <a:t/>
-            </a:r>
-            <a:br>
-              <a:rPr lang="en-US" dirty="0"/>
-            </a:br>
-            <a:r>
-              <a:rPr lang="en-US" dirty="0" smtClean="0"/>
-              <a:t>(shallow water table large system)</a:t>
-            </a:r>
-            <a:br>
-              <a:rPr lang="en-US" dirty="0" smtClean="0"/>
-            </a:br>
-            <a:r>
-              <a:rPr lang="en-US" dirty="0" smtClean="0"/>
-              <a:t>summer</a:t>
-            </a:r>
-            <a:endParaRPr lang="en-US" dirty="0"/>
+              <a:rPr lang="en-US" sz="2000" dirty="0"/>
+              <a:t> (</a:t>
+            </a:r>
+            <a:r>
+              <a:rPr lang="en-US" sz="2000" dirty="0" smtClean="0"/>
+              <a:t>shallow water table large system, summer)</a:t>
+            </a:r>
+            <a:endParaRPr lang="en-US" sz="2000" dirty="0"/>
+          </a:p>
+        </p:txBody>
+      </p:sp>
+      <p:sp>
+        <p:nvSpPr>
+          <p:cNvPr id="5" name="Date Placeholder 4"/>
+          <p:cNvSpPr>
+            <a:spLocks noGrp="1"/>
+          </p:cNvSpPr>
+          <p:nvPr>
+            <p:ph type="dt" sz="half" idx="10"/>
+          </p:nvPr>
+        </p:nvSpPr>
+        <p:spPr/>
+        <p:txBody>
+          <a:bodyPr/>
+          <a:lstStyle/>
+          <a:p>
+            <a:fld id="{30808F99-6925-42C0-B5FE-45299CB0AAC0}" type="datetime1">
+              <a:rPr lang="en-US" smtClean="0"/>
+              <a:t>10/01/19</a:t>
+            </a:fld>
+            <a:endParaRPr lang="en-US"/>
+          </a:p>
+        </p:txBody>
+      </p:sp>
+      <p:sp>
+        <p:nvSpPr>
+          <p:cNvPr id="6" name="Slide Number Placeholder 5"/>
+          <p:cNvSpPr>
+            <a:spLocks noGrp="1"/>
+          </p:cNvSpPr>
+          <p:nvPr>
+            <p:ph type="sldNum" sz="quarter" idx="12"/>
+          </p:nvPr>
+        </p:nvSpPr>
+        <p:spPr/>
+        <p:txBody>
+          <a:bodyPr/>
+          <a:lstStyle/>
+          <a:p>
+            <a:fld id="{3A68414B-717D-4E1C-9A7E-C5878B7A8979}" type="slidenum">
+              <a:rPr lang="en-US" smtClean="0"/>
+              <a:t>7</a:t>
+            </a:fld>
+            <a:endParaRPr lang="en-US"/>
+          </a:p>
+        </p:txBody>
+      </p:sp>
+      <p:sp>
+        <p:nvSpPr>
+          <p:cNvPr id="7" name="Footer Placeholder 6"/>
+          <p:cNvSpPr>
+            <a:spLocks noGrp="1"/>
+          </p:cNvSpPr>
+          <p:nvPr>
+            <p:ph type="ftr" sz="quarter" idx="11"/>
+          </p:nvPr>
+        </p:nvSpPr>
+        <p:spPr/>
+        <p:txBody>
+          <a:bodyPr/>
+          <a:lstStyle/>
+          <a:p>
+            <a:r>
+              <a:rPr lang="en-US" smtClean="0"/>
+              <a:t>Groundwaer dynamics CT4420</a:t>
+            </a:r>
+            <a:endParaRPr lang="en-US"/>
           </a:p>
         </p:txBody>
       </p:sp>
       <p:pic>
         <p:nvPicPr>
-          <p:cNvPr id="4" name="Picture 3"/>
-          <p:cNvPicPr/>
+          <p:cNvPr id="3" name="Picture 2"/>
+          <p:cNvPicPr>
+            <a:picLocks noChangeAspect="1"/>
+          </p:cNvPicPr>
           <p:nvPr/>
         </p:nvPicPr>
         <p:blipFill>
           <a:blip r:embed="rId2"/>
-          <a:srcRect/>
           <a:stretch>
             <a:fillRect/>
           </a:stretch>
         </p:blipFill>
-        <p:spPr bwMode="auto">
+        <p:spPr>
           <a:xfrm>
-            <a:off x="0" y="1905001"/>
-            <a:ext cx="9144000" cy="4800599"/>
+            <a:off x="0" y="1244600"/>
+            <a:ext cx="9144000" cy="4350619"/>
           </a:xfrm>
           <a:prstGeom prst="rect">
             <a:avLst/>
           </a:prstGeom>
-          <a:noFill/>
-          <a:ln w="9525">
-            <a:noFill/>
-            <a:miter lim="800000"/>
-            <a:headEnd/>
-            <a:tailEnd/>
-          </a:ln>
         </p:spPr>
       </p:pic>
-      <p:sp>
-        <p:nvSpPr>
-          <p:cNvPr id="5" name="Date Placeholder 4"/>
-          <p:cNvSpPr>
-            <a:spLocks noGrp="1"/>
-          </p:cNvSpPr>
-          <p:nvPr>
-            <p:ph type="dt" sz="half" idx="10"/>
-          </p:nvPr>
-        </p:nvSpPr>
-        <p:spPr/>
-        <p:txBody>
-          <a:bodyPr/>
-          <a:lstStyle/>
-          <a:p>
-            <a:fld id="{30808F99-6925-42C0-B5FE-45299CB0AAC0}" type="datetime1">
-              <a:rPr lang="en-US" smtClean="0"/>
-              <a:t>17/12/13</a:t>
-            </a:fld>
-            <a:endParaRPr lang="en-US"/>
-          </a:p>
-        </p:txBody>
-      </p:sp>
-      <p:sp>
-        <p:nvSpPr>
-          <p:cNvPr id="6" name="Slide Number Placeholder 5"/>
-          <p:cNvSpPr>
-            <a:spLocks noGrp="1"/>
-          </p:cNvSpPr>
-          <p:nvPr>
-            <p:ph type="sldNum" sz="quarter" idx="12"/>
-          </p:nvPr>
-        </p:nvSpPr>
-        <p:spPr/>
-        <p:txBody>
-          <a:bodyPr/>
-          <a:lstStyle/>
-          <a:p>
-            <a:fld id="{3A68414B-717D-4E1C-9A7E-C5878B7A8979}" type="slidenum">
-              <a:rPr lang="en-US" smtClean="0"/>
-              <a:t>7</a:t>
-            </a:fld>
-            <a:endParaRPr lang="en-US"/>
-          </a:p>
-        </p:txBody>
-      </p:sp>
-      <p:sp>
-        <p:nvSpPr>
-          <p:cNvPr id="7" name="Footer Placeholder 6"/>
-          <p:cNvSpPr>
-            <a:spLocks noGrp="1"/>
-          </p:cNvSpPr>
-          <p:nvPr>
-            <p:ph type="ftr" sz="quarter" idx="11"/>
-          </p:nvPr>
-        </p:nvSpPr>
-        <p:spPr/>
-        <p:txBody>
-          <a:bodyPr/>
-          <a:lstStyle/>
-          <a:p>
-            <a:r>
-              <a:rPr lang="en-US" smtClean="0"/>
-              <a:t>Groundwaer dynamics CT4420</a:t>
-            </a:r>
-            <a:endParaRPr lang="en-US"/>
-          </a:p>
-        </p:txBody>
-      </p:sp>
     </p:spTree>
   </p:cSld>
   <p:clrMapOvr>
@@ -6931,143 +5437,115 @@
         <p:spPr/>
         <p:txBody>
           <a:bodyPr>
-            <a:normAutofit fontScale="90000"/>
+            <a:normAutofit/>
           </a:bodyPr>
           <a:lstStyle/>
           <a:p>
             <a:r>
-              <a:rPr lang="en-US" dirty="0" err="1" smtClean="0"/>
-              <a:t>Groot</a:t>
-            </a:r>
-            <a:r>
-              <a:rPr lang="en-US" dirty="0" smtClean="0"/>
-              <a:t> </a:t>
-            </a:r>
-            <a:r>
-              <a:rPr lang="en-US" dirty="0" err="1" smtClean="0"/>
-              <a:t>Zwarteveld</a:t>
-            </a:r>
-            <a:r>
-              <a:rPr lang="en-US" dirty="0"/>
-              <a:t/>
-            </a:r>
-            <a:br>
-              <a:rPr lang="en-US" dirty="0"/>
-            </a:br>
-            <a:r>
-              <a:rPr lang="en-US" dirty="0" smtClean="0"/>
-              <a:t>(shallow water table large system)</a:t>
-            </a:r>
-            <a:br>
-              <a:rPr lang="en-US" dirty="0" smtClean="0"/>
-            </a:br>
-            <a:r>
-              <a:rPr lang="en-US" dirty="0" smtClean="0"/>
-              <a:t>winter</a:t>
-            </a:r>
-            <a:endParaRPr lang="en-US" dirty="0"/>
+              <a:rPr lang="en-US" sz="2000" dirty="0" err="1" smtClean="0"/>
+              <a:t>Haasveld</a:t>
+            </a:r>
+            <a:r>
+              <a:rPr lang="en-US" sz="2000" dirty="0" smtClean="0"/>
+              <a:t> central AWD (deep water table large system)</a:t>
+            </a:r>
+            <a:endParaRPr lang="en-US" sz="2000" dirty="0"/>
+          </a:p>
+        </p:txBody>
+      </p:sp>
+      <p:sp>
+        <p:nvSpPr>
+          <p:cNvPr id="7" name="Date Placeholder 6"/>
+          <p:cNvSpPr>
+            <a:spLocks noGrp="1"/>
+          </p:cNvSpPr>
+          <p:nvPr>
+            <p:ph type="dt" sz="half" idx="10"/>
+          </p:nvPr>
+        </p:nvSpPr>
+        <p:spPr/>
+        <p:txBody>
+          <a:bodyPr/>
+          <a:lstStyle/>
+          <a:p>
+            <a:fld id="{CBD17BE3-7837-4B84-B483-214F3F712868}" type="datetime1">
+              <a:rPr lang="en-US" smtClean="0"/>
+              <a:t>10/01/19</a:t>
+            </a:fld>
+            <a:endParaRPr lang="en-US"/>
+          </a:p>
+        </p:txBody>
+      </p:sp>
+      <p:sp>
+        <p:nvSpPr>
+          <p:cNvPr id="8" name="Slide Number Placeholder 7"/>
+          <p:cNvSpPr>
+            <a:spLocks noGrp="1"/>
+          </p:cNvSpPr>
+          <p:nvPr>
+            <p:ph type="sldNum" sz="quarter" idx="12"/>
+          </p:nvPr>
+        </p:nvSpPr>
+        <p:spPr/>
+        <p:txBody>
+          <a:bodyPr/>
+          <a:lstStyle/>
+          <a:p>
+            <a:fld id="{3A68414B-717D-4E1C-9A7E-C5878B7A8979}" type="slidenum">
+              <a:rPr lang="en-US" smtClean="0"/>
+              <a:t>8</a:t>
+            </a:fld>
+            <a:endParaRPr lang="en-US"/>
+          </a:p>
+        </p:txBody>
+      </p:sp>
+      <p:sp>
+        <p:nvSpPr>
+          <p:cNvPr id="9" name="Footer Placeholder 8"/>
+          <p:cNvSpPr>
+            <a:spLocks noGrp="1"/>
+          </p:cNvSpPr>
+          <p:nvPr>
+            <p:ph type="ftr" sz="quarter" idx="11"/>
+          </p:nvPr>
+        </p:nvSpPr>
+        <p:spPr/>
+        <p:txBody>
+          <a:bodyPr/>
+          <a:lstStyle/>
+          <a:p>
+            <a:r>
+              <a:rPr lang="en-US" smtClean="0"/>
+              <a:t>Groundwaer dynamics CT4420</a:t>
+            </a:r>
+            <a:endParaRPr lang="en-US"/>
           </a:p>
         </p:txBody>
       </p:sp>
       <p:pic>
         <p:nvPicPr>
-          <p:cNvPr id="4" name="Picture 3"/>
-          <p:cNvPicPr/>
+          <p:cNvPr id="3" name="Picture 2"/>
+          <p:cNvPicPr>
+            <a:picLocks noChangeAspect="1"/>
+          </p:cNvPicPr>
           <p:nvPr/>
         </p:nvPicPr>
         <p:blipFill>
           <a:blip r:embed="rId2"/>
-          <a:srcRect/>
           <a:stretch>
             <a:fillRect/>
           </a:stretch>
         </p:blipFill>
-        <p:spPr bwMode="auto">
+        <p:spPr>
           <a:xfrm>
-            <a:off x="0" y="1981200"/>
-            <a:ext cx="9144000" cy="4267200"/>
+            <a:off x="0" y="1231900"/>
+            <a:ext cx="9144000" cy="4385680"/>
           </a:xfrm>
           <a:prstGeom prst="rect">
             <a:avLst/>
           </a:prstGeom>
-          <a:noFill/>
-          <a:ln w="9525">
-            <a:noFill/>
-            <a:miter lim="800000"/>
-            <a:headEnd/>
-            <a:tailEnd/>
-          </a:ln>
         </p:spPr>
       </p:pic>
-      <p:sp>
-        <p:nvSpPr>
-          <p:cNvPr id="5" name="Date Placeholder 4"/>
-          <p:cNvSpPr>
-            <a:spLocks noGrp="1"/>
-          </p:cNvSpPr>
-          <p:nvPr>
-            <p:ph type="dt" sz="half" idx="10"/>
-          </p:nvPr>
-        </p:nvSpPr>
-        <p:spPr/>
-        <p:txBody>
-          <a:bodyPr/>
-          <a:lstStyle/>
-          <a:p>
-            <a:fld id="{8140CB99-6FCA-4D0F-8854-8CDB8F363AA5}" type="datetime1">
-              <a:rPr lang="en-US" smtClean="0"/>
-              <a:t>17/12/13</a:t>
-            </a:fld>
-            <a:endParaRPr lang="en-US"/>
-          </a:p>
-        </p:txBody>
-      </p:sp>
-      <p:sp>
-        <p:nvSpPr>
-          <p:cNvPr id="6" name="Slide Number Placeholder 5"/>
-          <p:cNvSpPr>
-            <a:spLocks noGrp="1"/>
-          </p:cNvSpPr>
-          <p:nvPr>
-            <p:ph type="sldNum" sz="quarter" idx="12"/>
-          </p:nvPr>
-        </p:nvSpPr>
-        <p:spPr/>
-        <p:txBody>
-          <a:bodyPr/>
-          <a:lstStyle/>
-          <a:p>
-            <a:fld id="{3A68414B-717D-4E1C-9A7E-C5878B7A8979}" type="slidenum">
-              <a:rPr lang="en-US" smtClean="0"/>
-              <a:t>8</a:t>
-            </a:fld>
-            <a:endParaRPr lang="en-US"/>
-          </a:p>
-        </p:txBody>
-      </p:sp>
-      <p:sp>
-        <p:nvSpPr>
-          <p:cNvPr id="7" name="Footer Placeholder 6"/>
-          <p:cNvSpPr>
-            <a:spLocks noGrp="1"/>
-          </p:cNvSpPr>
-          <p:nvPr>
-            <p:ph type="ftr" sz="quarter" idx="11"/>
-          </p:nvPr>
-        </p:nvSpPr>
-        <p:spPr/>
-        <p:txBody>
-          <a:bodyPr/>
-          <a:lstStyle/>
-          <a:p>
-            <a:r>
-              <a:rPr lang="en-US" smtClean="0"/>
-              <a:t>Groundwaer dynamics CT4420</a:t>
-            </a:r>
-            <a:endParaRPr lang="en-US"/>
-          </a:p>
-        </p:txBody>
-      </p:sp>
     </p:spTree>
   </p:cSld>
   <p:clrMapOvr>
@@ -7113,30 +5591,30 @@
         <p:spPr/>
         <p:txBody>
           <a:bodyPr>
-            <a:normAutofit fontScale="90000"/>
+            <a:normAutofit/>
           </a:bodyPr>
           <a:lstStyle/>
           <a:p>
             <a:r>
-              <a:rPr lang="en-US" dirty="0" smtClean="0"/>
-              <a:t>Flower bulb field De </a:t>
-            </a:r>
-            <a:r>
-              <a:rPr lang="en-US" dirty="0" err="1" smtClean="0"/>
-              <a:t>Zilk</a:t>
-            </a:r>
-            <a:r>
-              <a:rPr lang="en-US" dirty="0"/>
-              <a:t/>
+              <a:rPr lang="en-US" sz="2000" dirty="0" smtClean="0"/>
+              <a:t>Tide North Sea</a:t>
             </a:r>
             <a:br>
-              <a:rPr lang="en-US" dirty="0"/>
+              <a:rPr lang="en-US" sz="2000" dirty="0" smtClean="0"/>
             </a:br>
             <a:r>
-              <a:rPr lang="en-US" dirty="0" smtClean="0"/>
-              <a:t>(shallow water table small system)</a:t>
-            </a:r>
-            <a:endParaRPr lang="en-US" dirty="0"/>
+              <a:rPr lang="en-US" sz="2000" dirty="0" err="1" smtClean="0"/>
+              <a:t>IJmuiden</a:t>
+            </a:r>
+            <a:r>
+              <a:rPr lang="en-US" sz="2000" dirty="0" smtClean="0"/>
+              <a:t> lags 15 min behind </a:t>
+            </a:r>
+            <a:r>
+              <a:rPr lang="en-US" sz="2000" dirty="0" err="1" smtClean="0"/>
+              <a:t>Noordwijk (30 km to the south)</a:t>
+            </a:r>
+            <a:endParaRPr lang="en-US" sz="2000" dirty="0"/>
           </a:p>
         </p:txBody>
       </p:sp>
@@ -7155,8 +5633,8 @@
         </p:blipFill>
         <p:spPr bwMode="auto">
           <a:xfrm>
-            <a:off x="0" y="1676401"/>
-            <a:ext cx="9144000" cy="4800599"/>
+            <a:off x="990600" y="1453832"/>
+            <a:ext cx="7010400" cy="5175568"/>
           </a:xfrm>
           <a:prstGeom prst="rect">
             <a:avLst/>
@@ -7172,7 +5650,7 @@
       </p:pic>
       <p:sp>
         <p:nvSpPr>
-          <p:cNvPr id="6" name="Date Placeholder 5"/>
+          <p:cNvPr id="7" name="Date Placeholder 6"/>
           <p:cNvSpPr>
             <a:spLocks noGrp="1"/>
           </p:cNvSpPr>
@@ -7185,9 +5663,9 @@
           <a:bodyPr/>
           <a:lstStyle/>
           <a:p>
-            <a:fld id="{804A9749-BFC1-49E1-B50D-CE5DE6BE382E}" type="datetime1">
-              <a:rPr lang="en-US" smtClean="0"/>
-              <a:t>17/12/13</a:t>
+            <a:fld id="{6A728FAA-0EBC-4885-A86B-13947E1B54ED}" type="datetime1">
+              <a:rPr lang="en-US" smtClean="0"/>
+              <a:t>09/01/19</a:t>
             </a:fld>
             <a:endParaRPr lang="en-US"/>
           </a:p>
@@ -7195,7 +5673,7 @@
       </p:sp>
       <p:sp>
         <p:nvSpPr>
-          <p:cNvPr id="7" name="Slide Number Placeholder 6"/>
+          <p:cNvPr id="8" name="Slide Number Placeholder 7"/>
           <p:cNvSpPr>
             <a:spLocks noGrp="1"/>
           </p:cNvSpPr>
@@ -7218,7 +5696,7 @@
       </p:sp>
       <p:sp>
         <p:nvSpPr>
-          <p:cNvPr id="8" name="Footer Placeholder 7"/>
+          <p:cNvPr id="9" name="Footer Placeholder 8"/>
           <p:cNvSpPr>
             <a:spLocks noGrp="1"/>
           </p:cNvSpPr>
